--- a/presintation.pptx
+++ b/presintation.pptx
@@ -3038,7 +3038,7 @@
       </p:grpSpPr>
       <p:sp>
         <p:nvSpPr>
-          <p:cNvPr id="124" name="Реализовано 7 страниц"/>
+          <p:cNvPr id="124" name="Реализовано 6 страниц"/>
           <p:cNvSpPr txBox="1"/>
           <p:nvPr>
             <p:ph type="ctrTitle"/>
@@ -3059,7 +3059,7 @@
           <a:p>
             <a:pPr/>
             <a:r>
-              <a:t>Реализовано 7 страниц</a:t>
+              <a:t>Реализовано 6 страниц</a:t>
             </a:r>
           </a:p>
         </p:txBody>
@@ -3136,15 +3136,6 @@
             </a:pPr>
             <a:r>
               <a:t>Все чеки</a:t>
-            </a:r>
-          </a:p>
-          <a:p>
-            <a:pPr marL="515815" indent="-515815" algn="l">
-              <a:buSzPct val="75000"/>
-              <a:buChar char="•"/>
-            </a:pPr>
-            <a:r>
-              <a:t>Все растраты</a:t>
             </a:r>
           </a:p>
         </p:txBody>

--- a/presintation.pptx
+++ b/presintation.pptx
@@ -1,17 +1,17 @@
 
 <file path=ppt/presentation.xml><?xml version="1.0" encoding="utf-8"?>
-<p:presentation xmlns:a="http://schemas.openxmlformats.org/drawingml/2006/main" xmlns:r="http://schemas.openxmlformats.org/officeDocument/2006/relationships" xmlns:p="http://schemas.openxmlformats.org/presentationml/2006/main" xmlns:m="http://schemas.openxmlformats.org/officeDocument/2006/math" xmlns:a14="http://schemas.microsoft.com/office/drawing/2010/main">
+<p:presentation xmlns:a="http://schemas.openxmlformats.org/drawingml/2006/main" xmlns:r="http://schemas.openxmlformats.org/officeDocument/2006/relationships" xmlns:p="http://schemas.openxmlformats.org/presentationml/2006/main">
   <p:sldMasterIdLst>
-    <p:sldMasterId id="2147483648" r:id="rId5"/>
+    <p:sldMasterId id="2147483648" r:id="rId1"/>
   </p:sldMasterIdLst>
   <p:notesMasterIdLst>
-    <p:notesMasterId r:id="rId7"/>
+    <p:notesMasterId r:id="rId6"/>
   </p:notesMasterIdLst>
   <p:sldIdLst>
-    <p:sldId id="256" r:id="rId8"/>
-    <p:sldId id="257" r:id="rId9"/>
-    <p:sldId id="258" r:id="rId10"/>
-    <p:sldId id="259" r:id="rId11"/>
+    <p:sldId id="256" r:id="rId2"/>
+    <p:sldId id="257" r:id="rId3"/>
+    <p:sldId id="258" r:id="rId4"/>
+    <p:sldId id="259" r:id="rId5"/>
   </p:sldIdLst>
   <p:sldSz cx="24384000" cy="13716000"/>
   <p:notesSz cx="6858000" cy="9144000"/>
@@ -31,7 +31,7 @@
       <a:buFontTx/>
       <a:buNone/>
       <a:tabLst/>
-      <a:defRPr b="0" baseline="0" cap="none" i="0" spc="0" strike="noStrike" sz="1800" u="none" kumimoji="0" normalizeH="0">
+      <a:defRPr kumimoji="0" sz="1800" b="0" i="0" u="none" strike="noStrike" cap="none" spc="0" normalizeH="0" baseline="0">
         <a:ln>
           <a:noFill/>
         </a:ln>
@@ -57,7 +57,7 @@
       <a:buFontTx/>
       <a:buNone/>
       <a:tabLst/>
-      <a:defRPr b="0" baseline="0" cap="none" i="0" spc="0" strike="noStrike" sz="5200" u="none" kumimoji="0" normalizeH="0">
+      <a:defRPr kumimoji="0" sz="5200" b="0" i="0" u="none" strike="noStrike" cap="none" spc="0" normalizeH="0" baseline="0">
         <a:ln>
           <a:noFill/>
         </a:ln>
@@ -87,7 +87,7 @@
       <a:buFontTx/>
       <a:buNone/>
       <a:tabLst/>
-      <a:defRPr b="0" baseline="0" cap="none" i="0" spc="0" strike="noStrike" sz="5200" u="none" kumimoji="0" normalizeH="0">
+      <a:defRPr kumimoji="0" sz="5200" b="0" i="0" u="none" strike="noStrike" cap="none" spc="0" normalizeH="0" baseline="0">
         <a:ln>
           <a:noFill/>
         </a:ln>
@@ -117,7 +117,7 @@
       <a:buFontTx/>
       <a:buNone/>
       <a:tabLst/>
-      <a:defRPr b="0" baseline="0" cap="none" i="0" spc="0" strike="noStrike" sz="5200" u="none" kumimoji="0" normalizeH="0">
+      <a:defRPr kumimoji="0" sz="5200" b="0" i="0" u="none" strike="noStrike" cap="none" spc="0" normalizeH="0" baseline="0">
         <a:ln>
           <a:noFill/>
         </a:ln>
@@ -147,7 +147,7 @@
       <a:buFontTx/>
       <a:buNone/>
       <a:tabLst/>
-      <a:defRPr b="0" baseline="0" cap="none" i="0" spc="0" strike="noStrike" sz="5200" u="none" kumimoji="0" normalizeH="0">
+      <a:defRPr kumimoji="0" sz="5200" b="0" i="0" u="none" strike="noStrike" cap="none" spc="0" normalizeH="0" baseline="0">
         <a:ln>
           <a:noFill/>
         </a:ln>
@@ -177,7 +177,7 @@
       <a:buFontTx/>
       <a:buNone/>
       <a:tabLst/>
-      <a:defRPr b="0" baseline="0" cap="none" i="0" spc="0" strike="noStrike" sz="5200" u="none" kumimoji="0" normalizeH="0">
+      <a:defRPr kumimoji="0" sz="5200" b="0" i="0" u="none" strike="noStrike" cap="none" spc="0" normalizeH="0" baseline="0">
         <a:ln>
           <a:noFill/>
         </a:ln>
@@ -207,7 +207,7 @@
       <a:buFontTx/>
       <a:buNone/>
       <a:tabLst/>
-      <a:defRPr b="0" baseline="0" cap="none" i="0" spc="0" strike="noStrike" sz="5200" u="none" kumimoji="0" normalizeH="0">
+      <a:defRPr kumimoji="0" sz="5200" b="0" i="0" u="none" strike="noStrike" cap="none" spc="0" normalizeH="0" baseline="0">
         <a:ln>
           <a:noFill/>
         </a:ln>
@@ -237,7 +237,7 @@
       <a:buFontTx/>
       <a:buNone/>
       <a:tabLst/>
-      <a:defRPr b="0" baseline="0" cap="none" i="0" spc="0" strike="noStrike" sz="5200" u="none" kumimoji="0" normalizeH="0">
+      <a:defRPr kumimoji="0" sz="5200" b="0" i="0" u="none" strike="noStrike" cap="none" spc="0" normalizeH="0" baseline="0">
         <a:ln>
           <a:noFill/>
         </a:ln>
@@ -267,7 +267,7 @@
       <a:buFontTx/>
       <a:buNone/>
       <a:tabLst/>
-      <a:defRPr b="0" baseline="0" cap="none" i="0" spc="0" strike="noStrike" sz="5200" u="none" kumimoji="0" normalizeH="0">
+      <a:defRPr kumimoji="0" sz="5200" b="0" i="0" u="none" strike="noStrike" cap="none" spc="0" normalizeH="0" baseline="0">
         <a:ln>
           <a:noFill/>
         </a:ln>
@@ -297,7 +297,7 @@
       <a:buFontTx/>
       <a:buNone/>
       <a:tabLst/>
-      <a:defRPr b="0" baseline="0" cap="none" i="0" spc="0" strike="noStrike" sz="5200" u="none" kumimoji="0" normalizeH="0">
+      <a:defRPr kumimoji="0" sz="5200" b="0" i="0" u="none" strike="noStrike" cap="none" spc="0" normalizeH="0" baseline="0">
         <a:ln>
           <a:noFill/>
         </a:ln>
@@ -316,13 +316,14 @@
 </p:presentation>
 </file>
 
-<file path=ppt/commentAuthors.xml><?xml version="1.0" encoding="utf-8"?>
-<p:cmAuthorLst xmlns:a="http://schemas.openxmlformats.org/drawingml/2006/main" xmlns:r="http://schemas.openxmlformats.org/officeDocument/2006/relationships" xmlns:p="http://schemas.openxmlformats.org/presentationml/2006/main" xmlns:m="http://schemas.openxmlformats.org/officeDocument/2006/math" xmlns:a14="http://schemas.microsoft.com/office/drawing/2010/main"/>
-</file>
-
 <file path=ppt/notesMasters/notesMaster1.xml><?xml version="1.0" encoding="utf-8"?>
-<p:notesMaster xmlns:a="http://schemas.openxmlformats.org/drawingml/2006/main" xmlns:r="http://schemas.openxmlformats.org/officeDocument/2006/relationships" xmlns:p="http://schemas.openxmlformats.org/presentationml/2006/main" xmlns:m="http://schemas.openxmlformats.org/officeDocument/2006/math" xmlns:a14="http://schemas.microsoft.com/office/drawing/2010/main">
+<p:notesMaster xmlns:a="http://schemas.openxmlformats.org/drawingml/2006/main" xmlns:r="http://schemas.openxmlformats.org/officeDocument/2006/relationships" xmlns:p="http://schemas.openxmlformats.org/presentationml/2006/main">
   <p:cSld>
+    <p:bg>
+      <p:bgRef idx="1001">
+        <a:schemeClr val="bg1"/>
+      </p:bgRef>
+    </p:bg>
     <p:spTree>
       <p:nvGrpSpPr>
         <p:cNvPr id="1" name=""/>
@@ -340,7 +341,9 @@
       <p:sp>
         <p:nvSpPr>
           <p:cNvPr id="116" name="Shape 116"/>
-          <p:cNvSpPr/>
+          <p:cNvSpPr>
+            <a:spLocks noGrp="1" noRot="1" noChangeAspect="1"/>
+          </p:cNvSpPr>
           <p:nvPr>
             <p:ph type="sldImg"/>
           </p:nvPr>
@@ -358,14 +361,16 @@
           <a:bodyPr/>
           <a:lstStyle/>
           <a:p>
-            <a:pPr/>
+            <a:endParaRPr/>
           </a:p>
         </p:txBody>
       </p:sp>
       <p:sp>
         <p:nvSpPr>
           <p:cNvPr id="117" name="Shape 117"/>
-          <p:cNvSpPr/>
+          <p:cNvSpPr>
+            <a:spLocks noGrp="1"/>
+          </p:cNvSpPr>
           <p:nvPr>
             <p:ph type="body" sz="quarter" idx="1"/>
           </p:nvPr>
@@ -383,7 +388,7 @@
           <a:bodyPr/>
           <a:lstStyle/>
           <a:p>
-            <a:pPr/>
+            <a:endParaRPr/>
           </a:p>
         </p:txBody>
       </p:sp>
@@ -495,7 +500,7 @@
 </file>
 
 <file path=ppt/slideLayouts/slideLayout1.xml><?xml version="1.0" encoding="utf-8"?>
-<p:sldLayout xmlns:a="http://schemas.openxmlformats.org/drawingml/2006/main" xmlns:r="http://schemas.openxmlformats.org/officeDocument/2006/relationships" xmlns:p="http://schemas.openxmlformats.org/presentationml/2006/main" xmlns:m="http://schemas.openxmlformats.org/officeDocument/2006/math" xmlns:a14="http://schemas.microsoft.com/office/drawing/2010/main" type="title" showMasterSp="1" showMasterPhAnim="1">
+<p:sldLayout xmlns:a="http://schemas.openxmlformats.org/drawingml/2006/main" xmlns:r="http://schemas.openxmlformats.org/officeDocument/2006/relationships" xmlns:p="http://schemas.openxmlformats.org/presentationml/2006/main" type="title">
   <p:cSld name="Заголовок и подзаголовок">
     <p:spTree>
       <p:nvGrpSpPr>
@@ -514,7 +519,9 @@
       <p:sp>
         <p:nvSpPr>
           <p:cNvPr id="11" name="Текст заголовка"/>
-          <p:cNvSpPr txBox="1"/>
+          <p:cNvSpPr txBox="1">
+            <a:spLocks noGrp="1"/>
+          </p:cNvSpPr>
           <p:nvPr>
             <p:ph type="title"/>
           </p:nvPr>
@@ -532,7 +539,6 @@
           <a:bodyPr anchor="b"/>
           <a:lstStyle/>
           <a:p>
-            <a:pPr/>
             <a:r>
               <a:t>Текст заголовка</a:t>
             </a:r>
@@ -542,7 +548,9 @@
       <p:sp>
         <p:nvSpPr>
           <p:cNvPr id="12" name="Уровень текста 1…"/>
-          <p:cNvSpPr txBox="1"/>
+          <p:cNvSpPr txBox="1">
+            <a:spLocks noGrp="1"/>
+          </p:cNvSpPr>
           <p:nvPr>
             <p:ph type="body" sz="quarter" idx="1"/>
           </p:nvPr>
@@ -601,7 +609,6 @@
             </a:lvl5pPr>
           </a:lstStyle>
           <a:p>
-            <a:pPr/>
             <a:r>
               <a:t>Уровень текста 1</a:t>
             </a:r>
@@ -635,7 +642,9 @@
       <p:sp>
         <p:nvSpPr>
           <p:cNvPr id="13" name="Номер слайда"/>
-          <p:cNvSpPr txBox="1"/>
+          <p:cNvSpPr txBox="1">
+            <a:spLocks noGrp="1"/>
+          </p:cNvSpPr>
           <p:nvPr>
             <p:ph type="sldNum" sz="quarter" idx="2"/>
           </p:nvPr>
@@ -649,8 +658,10 @@
           <a:bodyPr anchor="t"/>
           <a:lstStyle/>
           <a:p>
-            <a:pPr/>
-            <a:fld id="{86CB4B4D-7CA3-9044-876B-883B54F8677D}" type="slidenum"/>
+            <a:fld id="{86CB4B4D-7CA3-9044-876B-883B54F8677D}" type="slidenum">
+              <a:t>‹#›</a:t>
+            </a:fld>
+            <a:endParaRPr/>
           </a:p>
         </p:txBody>
       </p:sp>
@@ -659,12 +670,12 @@
   <p:clrMapOvr>
     <a:masterClrMapping/>
   </p:clrMapOvr>
-  <p:transition xmlns:p14="http://schemas.microsoft.com/office/powerpoint/2010/main" spd="med" advClick="1"/>
+  <p:transition spd="med"/>
 </p:sldLayout>
 </file>
 
 <file path=ppt/slideLayouts/slideLayout10.xml><?xml version="1.0" encoding="utf-8"?>
-<p:sldLayout xmlns:a="http://schemas.openxmlformats.org/drawingml/2006/main" xmlns:r="http://schemas.openxmlformats.org/officeDocument/2006/relationships" xmlns:p="http://schemas.openxmlformats.org/presentationml/2006/main" xmlns:m="http://schemas.openxmlformats.org/officeDocument/2006/math" xmlns:a14="http://schemas.microsoft.com/office/drawing/2010/main" type="tx" showMasterSp="1" showMasterPhAnim="1">
+<p:sldLayout xmlns:a="http://schemas.openxmlformats.org/drawingml/2006/main" xmlns:r="http://schemas.openxmlformats.org/officeDocument/2006/relationships" xmlns:p="http://schemas.openxmlformats.org/presentationml/2006/main" type="tx">
   <p:cSld name="Цитата">
     <p:spTree>
       <p:nvGrpSpPr>
@@ -683,7 +694,9 @@
       <p:sp>
         <p:nvSpPr>
           <p:cNvPr id="93" name="— Иван Арсентьев"/>
-          <p:cNvSpPr txBox="1"/>
+          <p:cNvSpPr txBox="1">
+            <a:spLocks noGrp="1"/>
+          </p:cNvSpPr>
           <p:nvPr>
             <p:ph type="body" sz="quarter" idx="21"/>
           </p:nvPr>
@@ -708,7 +721,7 @@
               </a:spcBef>
               <a:buSzTx/>
               <a:buNone/>
-              <a:defRPr b="1" sz="3800">
+              <a:defRPr sz="3800" b="1">
                 <a:latin typeface="Helvetica"/>
                 <a:ea typeface="Helvetica"/>
                 <a:cs typeface="Helvetica"/>
@@ -717,7 +730,6 @@
             </a:lvl1pPr>
           </a:lstStyle>
           <a:p>
-            <a:pPr/>
             <a:r>
               <a:t>— Иван Арсентьев</a:t>
             </a:r>
@@ -727,7 +739,9 @@
       <p:sp>
         <p:nvSpPr>
           <p:cNvPr id="94" name="«Место ввода цитаты»."/>
-          <p:cNvSpPr txBox="1"/>
+          <p:cNvSpPr txBox="1">
+            <a:spLocks noGrp="1"/>
+          </p:cNvSpPr>
           <p:nvPr>
             <p:ph type="body" sz="quarter" idx="22"/>
           </p:nvPr>
@@ -756,7 +770,6 @@
             </a:lvl1pPr>
           </a:lstStyle>
           <a:p>
-            <a:pPr/>
             <a:r>
               <a:t>«Место ввода цитаты».</a:t>
             </a:r>
@@ -766,7 +779,9 @@
       <p:sp>
         <p:nvSpPr>
           <p:cNvPr id="95" name="Номер слайда"/>
-          <p:cNvSpPr txBox="1"/>
+          <p:cNvSpPr txBox="1">
+            <a:spLocks noGrp="1"/>
+          </p:cNvSpPr>
           <p:nvPr>
             <p:ph type="sldNum" sz="quarter" idx="2"/>
           </p:nvPr>
@@ -780,8 +795,10 @@
           <a:bodyPr anchor="t"/>
           <a:lstStyle/>
           <a:p>
-            <a:pPr/>
-            <a:fld id="{86CB4B4D-7CA3-9044-876B-883B54F8677D}" type="slidenum"/>
+            <a:fld id="{86CB4B4D-7CA3-9044-876B-883B54F8677D}" type="slidenum">
+              <a:t>‹#›</a:t>
+            </a:fld>
+            <a:endParaRPr/>
           </a:p>
         </p:txBody>
       </p:sp>
@@ -790,12 +807,12 @@
   <p:clrMapOvr>
     <a:masterClrMapping/>
   </p:clrMapOvr>
-  <p:transition xmlns:p14="http://schemas.microsoft.com/office/powerpoint/2010/main" spd="med" advClick="1"/>
+  <p:transition spd="med"/>
 </p:sldLayout>
 </file>
 
 <file path=ppt/slideLayouts/slideLayout11.xml><?xml version="1.0" encoding="utf-8"?>
-<p:sldLayout xmlns:a="http://schemas.openxmlformats.org/drawingml/2006/main" xmlns:r="http://schemas.openxmlformats.org/officeDocument/2006/relationships" xmlns:p="http://schemas.openxmlformats.org/presentationml/2006/main" xmlns:m="http://schemas.openxmlformats.org/officeDocument/2006/math" xmlns:a14="http://schemas.microsoft.com/office/drawing/2010/main" type="tx" showMasterSp="1" showMasterPhAnim="1">
+<p:sldLayout xmlns:a="http://schemas.openxmlformats.org/drawingml/2006/main" xmlns:r="http://schemas.openxmlformats.org/officeDocument/2006/relationships" xmlns:p="http://schemas.openxmlformats.org/presentationml/2006/main" type="tx">
   <p:cSld name="Фото">
     <p:spTree>
       <p:nvGrpSpPr>
@@ -814,7 +831,9 @@
       <p:sp>
         <p:nvSpPr>
           <p:cNvPr id="102" name="Изображение"/>
-          <p:cNvSpPr/>
+          <p:cNvSpPr>
+            <a:spLocks noGrp="1"/>
+          </p:cNvSpPr>
           <p:nvPr>
             <p:ph type="pic" idx="21"/>
           </p:nvPr>
@@ -834,14 +853,16 @@
           </a:bodyPr>
           <a:lstStyle/>
           <a:p>
-            <a:pPr/>
+            <a:endParaRPr/>
           </a:p>
         </p:txBody>
       </p:sp>
       <p:sp>
         <p:nvSpPr>
           <p:cNvPr id="103" name="Номер слайда"/>
-          <p:cNvSpPr txBox="1"/>
+          <p:cNvSpPr txBox="1">
+            <a:spLocks noGrp="1"/>
+          </p:cNvSpPr>
           <p:nvPr>
             <p:ph type="sldNum" sz="quarter" idx="2"/>
           </p:nvPr>
@@ -855,8 +876,10 @@
           <a:bodyPr anchor="t"/>
           <a:lstStyle/>
           <a:p>
-            <a:pPr/>
-            <a:fld id="{86CB4B4D-7CA3-9044-876B-883B54F8677D}" type="slidenum"/>
+            <a:fld id="{86CB4B4D-7CA3-9044-876B-883B54F8677D}" type="slidenum">
+              <a:t>‹#›</a:t>
+            </a:fld>
+            <a:endParaRPr/>
           </a:p>
         </p:txBody>
       </p:sp>
@@ -865,12 +888,12 @@
   <p:clrMapOvr>
     <a:masterClrMapping/>
   </p:clrMapOvr>
-  <p:transition xmlns:p14="http://schemas.microsoft.com/office/powerpoint/2010/main" spd="med" advClick="1"/>
+  <p:transition spd="med"/>
 </p:sldLayout>
 </file>
 
 <file path=ppt/slideLayouts/slideLayout12.xml><?xml version="1.0" encoding="utf-8"?>
-<p:sldLayout xmlns:a="http://schemas.openxmlformats.org/drawingml/2006/main" xmlns:r="http://schemas.openxmlformats.org/officeDocument/2006/relationships" xmlns:p="http://schemas.openxmlformats.org/presentationml/2006/main" xmlns:m="http://schemas.openxmlformats.org/officeDocument/2006/math" xmlns:a14="http://schemas.microsoft.com/office/drawing/2010/main" type="tx" showMasterSp="1" showMasterPhAnim="1">
+<p:sldLayout xmlns:a="http://schemas.openxmlformats.org/drawingml/2006/main" xmlns:r="http://schemas.openxmlformats.org/officeDocument/2006/relationships" xmlns:p="http://schemas.openxmlformats.org/presentationml/2006/main" type="tx">
   <p:cSld name="Пустой">
     <p:spTree>
       <p:nvGrpSpPr>
@@ -889,7 +912,9 @@
       <p:sp>
         <p:nvSpPr>
           <p:cNvPr id="110" name="Номер слайда"/>
-          <p:cNvSpPr txBox="1"/>
+          <p:cNvSpPr txBox="1">
+            <a:spLocks noGrp="1"/>
+          </p:cNvSpPr>
           <p:nvPr>
             <p:ph type="sldNum" sz="quarter" idx="2"/>
           </p:nvPr>
@@ -903,8 +928,10 @@
           <a:bodyPr anchor="t"/>
           <a:lstStyle/>
           <a:p>
-            <a:pPr/>
-            <a:fld id="{86CB4B4D-7CA3-9044-876B-883B54F8677D}" type="slidenum"/>
+            <a:fld id="{86CB4B4D-7CA3-9044-876B-883B54F8677D}" type="slidenum">
+              <a:t>‹#›</a:t>
+            </a:fld>
+            <a:endParaRPr/>
           </a:p>
         </p:txBody>
       </p:sp>
@@ -913,12 +940,12 @@
   <p:clrMapOvr>
     <a:masterClrMapping/>
   </p:clrMapOvr>
-  <p:transition xmlns:p14="http://schemas.microsoft.com/office/powerpoint/2010/main" spd="med" advClick="1"/>
+  <p:transition spd="med"/>
 </p:sldLayout>
 </file>
 
 <file path=ppt/slideLayouts/slideLayout2.xml><?xml version="1.0" encoding="utf-8"?>
-<p:sldLayout xmlns:a="http://schemas.openxmlformats.org/drawingml/2006/main" xmlns:r="http://schemas.openxmlformats.org/officeDocument/2006/relationships" xmlns:p="http://schemas.openxmlformats.org/presentationml/2006/main" xmlns:m="http://schemas.openxmlformats.org/officeDocument/2006/math" xmlns:a14="http://schemas.microsoft.com/office/drawing/2010/main" type="tx" showMasterSp="1" showMasterPhAnim="1">
+<p:sldLayout xmlns:a="http://schemas.openxmlformats.org/drawingml/2006/main" xmlns:r="http://schemas.openxmlformats.org/officeDocument/2006/relationships" xmlns:p="http://schemas.openxmlformats.org/presentationml/2006/main" type="tx">
   <p:cSld name="Фото — горизонтально">
     <p:spTree>
       <p:nvGrpSpPr>
@@ -937,7 +964,9 @@
       <p:sp>
         <p:nvSpPr>
           <p:cNvPr id="20" name="Изображение"/>
-          <p:cNvSpPr/>
+          <p:cNvSpPr>
+            <a:spLocks noGrp="1"/>
+          </p:cNvSpPr>
           <p:nvPr>
             <p:ph type="pic" idx="21"/>
           </p:nvPr>
@@ -957,14 +986,16 @@
           </a:bodyPr>
           <a:lstStyle/>
           <a:p>
-            <a:pPr/>
+            <a:endParaRPr/>
           </a:p>
         </p:txBody>
       </p:sp>
       <p:sp>
         <p:nvSpPr>
           <p:cNvPr id="21" name="Текст заголовка"/>
-          <p:cNvSpPr txBox="1"/>
+          <p:cNvSpPr txBox="1">
+            <a:spLocks noGrp="1"/>
+          </p:cNvSpPr>
           <p:nvPr>
             <p:ph type="title"/>
           </p:nvPr>
@@ -982,7 +1013,6 @@
           <a:bodyPr anchor="b"/>
           <a:lstStyle/>
           <a:p>
-            <a:pPr/>
             <a:r>
               <a:t>Текст заголовка</a:t>
             </a:r>
@@ -992,7 +1022,9 @@
       <p:sp>
         <p:nvSpPr>
           <p:cNvPr id="22" name="Уровень текста 1…"/>
-          <p:cNvSpPr txBox="1"/>
+          <p:cNvSpPr txBox="1">
+            <a:spLocks noGrp="1"/>
+          </p:cNvSpPr>
           <p:nvPr>
             <p:ph type="body" sz="quarter" idx="1"/>
           </p:nvPr>
@@ -1051,7 +1083,6 @@
             </a:lvl5pPr>
           </a:lstStyle>
           <a:p>
-            <a:pPr/>
             <a:r>
               <a:t>Уровень текста 1</a:t>
             </a:r>
@@ -1085,7 +1116,9 @@
       <p:sp>
         <p:nvSpPr>
           <p:cNvPr id="23" name="Номер слайда"/>
-          <p:cNvSpPr txBox="1"/>
+          <p:cNvSpPr txBox="1">
+            <a:spLocks noGrp="1"/>
+          </p:cNvSpPr>
           <p:nvPr>
             <p:ph type="sldNum" sz="quarter" idx="2"/>
           </p:nvPr>
@@ -1099,8 +1132,10 @@
           <a:bodyPr anchor="t"/>
           <a:lstStyle/>
           <a:p>
-            <a:pPr/>
-            <a:fld id="{86CB4B4D-7CA3-9044-876B-883B54F8677D}" type="slidenum"/>
+            <a:fld id="{86CB4B4D-7CA3-9044-876B-883B54F8677D}" type="slidenum">
+              <a:t>‹#›</a:t>
+            </a:fld>
+            <a:endParaRPr/>
           </a:p>
         </p:txBody>
       </p:sp>
@@ -1109,12 +1144,12 @@
   <p:clrMapOvr>
     <a:masterClrMapping/>
   </p:clrMapOvr>
-  <p:transition xmlns:p14="http://schemas.microsoft.com/office/powerpoint/2010/main" spd="med" advClick="1"/>
+  <p:transition spd="med"/>
 </p:sldLayout>
 </file>
 
 <file path=ppt/slideLayouts/slideLayout3.xml><?xml version="1.0" encoding="utf-8"?>
-<p:sldLayout xmlns:a="http://schemas.openxmlformats.org/drawingml/2006/main" xmlns:r="http://schemas.openxmlformats.org/officeDocument/2006/relationships" xmlns:p="http://schemas.openxmlformats.org/presentationml/2006/main" xmlns:m="http://schemas.openxmlformats.org/officeDocument/2006/math" xmlns:a14="http://schemas.microsoft.com/office/drawing/2010/main" type="tx" showMasterSp="1" showMasterPhAnim="1">
+<p:sldLayout xmlns:a="http://schemas.openxmlformats.org/drawingml/2006/main" xmlns:r="http://schemas.openxmlformats.org/officeDocument/2006/relationships" xmlns:p="http://schemas.openxmlformats.org/presentationml/2006/main" type="tx">
   <p:cSld name="Заголовок — по центру">
     <p:spTree>
       <p:nvGrpSpPr>
@@ -1133,7 +1168,9 @@
       <p:sp>
         <p:nvSpPr>
           <p:cNvPr id="30" name="Текст заголовка"/>
-          <p:cNvSpPr txBox="1"/>
+          <p:cNvSpPr txBox="1">
+            <a:spLocks noGrp="1"/>
+          </p:cNvSpPr>
           <p:nvPr>
             <p:ph type="title"/>
           </p:nvPr>
@@ -1151,7 +1188,6 @@
           <a:bodyPr/>
           <a:lstStyle/>
           <a:p>
-            <a:pPr/>
             <a:r>
               <a:t>Текст заголовка</a:t>
             </a:r>
@@ -1161,7 +1197,9 @@
       <p:sp>
         <p:nvSpPr>
           <p:cNvPr id="31" name="Номер слайда"/>
-          <p:cNvSpPr txBox="1"/>
+          <p:cNvSpPr txBox="1">
+            <a:spLocks noGrp="1"/>
+          </p:cNvSpPr>
           <p:nvPr>
             <p:ph type="sldNum" sz="quarter" idx="2"/>
           </p:nvPr>
@@ -1175,8 +1213,10 @@
           <a:bodyPr anchor="t"/>
           <a:lstStyle/>
           <a:p>
-            <a:pPr/>
-            <a:fld id="{86CB4B4D-7CA3-9044-876B-883B54F8677D}" type="slidenum"/>
+            <a:fld id="{86CB4B4D-7CA3-9044-876B-883B54F8677D}" type="slidenum">
+              <a:t>‹#›</a:t>
+            </a:fld>
+            <a:endParaRPr/>
           </a:p>
         </p:txBody>
       </p:sp>
@@ -1185,12 +1225,12 @@
   <p:clrMapOvr>
     <a:masterClrMapping/>
   </p:clrMapOvr>
-  <p:transition xmlns:p14="http://schemas.microsoft.com/office/powerpoint/2010/main" spd="med" advClick="1"/>
+  <p:transition spd="med"/>
 </p:sldLayout>
 </file>
 
 <file path=ppt/slideLayouts/slideLayout4.xml><?xml version="1.0" encoding="utf-8"?>
-<p:sldLayout xmlns:a="http://schemas.openxmlformats.org/drawingml/2006/main" xmlns:r="http://schemas.openxmlformats.org/officeDocument/2006/relationships" xmlns:p="http://schemas.openxmlformats.org/presentationml/2006/main" xmlns:m="http://schemas.openxmlformats.org/officeDocument/2006/math" xmlns:a14="http://schemas.microsoft.com/office/drawing/2010/main" type="tx" showMasterSp="1" showMasterPhAnim="1">
+<p:sldLayout xmlns:a="http://schemas.openxmlformats.org/drawingml/2006/main" xmlns:r="http://schemas.openxmlformats.org/officeDocument/2006/relationships" xmlns:p="http://schemas.openxmlformats.org/presentationml/2006/main" type="tx">
   <p:cSld name="Фото — вертикально">
     <p:spTree>
       <p:nvGrpSpPr>
@@ -1209,7 +1249,9 @@
       <p:sp>
         <p:nvSpPr>
           <p:cNvPr id="38" name="Изображение"/>
-          <p:cNvSpPr/>
+          <p:cNvSpPr>
+            <a:spLocks noGrp="1"/>
+          </p:cNvSpPr>
           <p:nvPr>
             <p:ph type="pic" idx="21"/>
           </p:nvPr>
@@ -1229,14 +1271,16 @@
           </a:bodyPr>
           <a:lstStyle/>
           <a:p>
-            <a:pPr/>
+            <a:endParaRPr/>
           </a:p>
         </p:txBody>
       </p:sp>
       <p:sp>
         <p:nvSpPr>
           <p:cNvPr id="39" name="Текст заголовка"/>
-          <p:cNvSpPr txBox="1"/>
+          <p:cNvSpPr txBox="1">
+            <a:spLocks noGrp="1"/>
+          </p:cNvSpPr>
           <p:nvPr>
             <p:ph type="title"/>
           </p:nvPr>
@@ -1258,7 +1302,6 @@
             </a:lvl1pPr>
           </a:lstStyle>
           <a:p>
-            <a:pPr/>
             <a:r>
               <a:t>Текст заголовка</a:t>
             </a:r>
@@ -1268,7 +1311,9 @@
       <p:sp>
         <p:nvSpPr>
           <p:cNvPr id="40" name="Уровень текста 1…"/>
-          <p:cNvSpPr txBox="1"/>
+          <p:cNvSpPr txBox="1">
+            <a:spLocks noGrp="1"/>
+          </p:cNvSpPr>
           <p:nvPr>
             <p:ph type="body" sz="quarter" idx="1"/>
           </p:nvPr>
@@ -1327,7 +1372,6 @@
             </a:lvl5pPr>
           </a:lstStyle>
           <a:p>
-            <a:pPr/>
             <a:r>
               <a:t>Уровень текста 1</a:t>
             </a:r>
@@ -1361,7 +1405,9 @@
       <p:sp>
         <p:nvSpPr>
           <p:cNvPr id="41" name="Номер слайда"/>
-          <p:cNvSpPr txBox="1"/>
+          <p:cNvSpPr txBox="1">
+            <a:spLocks noGrp="1"/>
+          </p:cNvSpPr>
           <p:nvPr>
             <p:ph type="sldNum" sz="quarter" idx="2"/>
           </p:nvPr>
@@ -1375,8 +1421,10 @@
           <a:bodyPr anchor="t"/>
           <a:lstStyle/>
           <a:p>
-            <a:pPr/>
-            <a:fld id="{86CB4B4D-7CA3-9044-876B-883B54F8677D}" type="slidenum"/>
+            <a:fld id="{86CB4B4D-7CA3-9044-876B-883B54F8677D}" type="slidenum">
+              <a:t>‹#›</a:t>
+            </a:fld>
+            <a:endParaRPr/>
           </a:p>
         </p:txBody>
       </p:sp>
@@ -1385,12 +1433,12 @@
   <p:clrMapOvr>
     <a:masterClrMapping/>
   </p:clrMapOvr>
-  <p:transition xmlns:p14="http://schemas.microsoft.com/office/powerpoint/2010/main" spd="med" advClick="1"/>
+  <p:transition spd="med"/>
 </p:sldLayout>
 </file>
 
 <file path=ppt/slideLayouts/slideLayout5.xml><?xml version="1.0" encoding="utf-8"?>
-<p:sldLayout xmlns:a="http://schemas.openxmlformats.org/drawingml/2006/main" xmlns:r="http://schemas.openxmlformats.org/officeDocument/2006/relationships" xmlns:p="http://schemas.openxmlformats.org/presentationml/2006/main" xmlns:m="http://schemas.openxmlformats.org/officeDocument/2006/math" xmlns:a14="http://schemas.microsoft.com/office/drawing/2010/main" type="tx" showMasterSp="1" showMasterPhAnim="1">
+<p:sldLayout xmlns:a="http://schemas.openxmlformats.org/drawingml/2006/main" xmlns:r="http://schemas.openxmlformats.org/officeDocument/2006/relationships" xmlns:p="http://schemas.openxmlformats.org/presentationml/2006/main" type="tx">
   <p:cSld name="Заголовок — сверху">
     <p:spTree>
       <p:nvGrpSpPr>
@@ -1409,7 +1457,9 @@
       <p:sp>
         <p:nvSpPr>
           <p:cNvPr id="48" name="Текст заголовка"/>
-          <p:cNvSpPr txBox="1"/>
+          <p:cNvSpPr txBox="1">
+            <a:spLocks noGrp="1"/>
+          </p:cNvSpPr>
           <p:nvPr>
             <p:ph type="title"/>
           </p:nvPr>
@@ -1423,7 +1473,6 @@
           <a:bodyPr/>
           <a:lstStyle/>
           <a:p>
-            <a:pPr/>
             <a:r>
               <a:t>Текст заголовка</a:t>
             </a:r>
@@ -1433,7 +1482,9 @@
       <p:sp>
         <p:nvSpPr>
           <p:cNvPr id="49" name="Номер слайда"/>
-          <p:cNvSpPr txBox="1"/>
+          <p:cNvSpPr txBox="1">
+            <a:spLocks noGrp="1"/>
+          </p:cNvSpPr>
           <p:nvPr>
             <p:ph type="sldNum" sz="quarter" idx="2"/>
           </p:nvPr>
@@ -1447,8 +1498,10 @@
           <a:bodyPr/>
           <a:lstStyle/>
           <a:p>
-            <a:pPr/>
-            <a:fld id="{86CB4B4D-7CA3-9044-876B-883B54F8677D}" type="slidenum"/>
+            <a:fld id="{86CB4B4D-7CA3-9044-876B-883B54F8677D}" type="slidenum">
+              <a:t>‹#›</a:t>
+            </a:fld>
+            <a:endParaRPr/>
           </a:p>
         </p:txBody>
       </p:sp>
@@ -1457,12 +1510,12 @@
   <p:clrMapOvr>
     <a:masterClrMapping/>
   </p:clrMapOvr>
-  <p:transition xmlns:p14="http://schemas.microsoft.com/office/powerpoint/2010/main" spd="med" advClick="1"/>
+  <p:transition spd="med"/>
 </p:sldLayout>
 </file>
 
 <file path=ppt/slideLayouts/slideLayout6.xml><?xml version="1.0" encoding="utf-8"?>
-<p:sldLayout xmlns:a="http://schemas.openxmlformats.org/drawingml/2006/main" xmlns:r="http://schemas.openxmlformats.org/officeDocument/2006/relationships" xmlns:p="http://schemas.openxmlformats.org/presentationml/2006/main" xmlns:m="http://schemas.openxmlformats.org/officeDocument/2006/math" xmlns:a14="http://schemas.microsoft.com/office/drawing/2010/main" type="tx" showMasterSp="1" showMasterPhAnim="1">
+<p:sldLayout xmlns:a="http://schemas.openxmlformats.org/drawingml/2006/main" xmlns:r="http://schemas.openxmlformats.org/officeDocument/2006/relationships" xmlns:p="http://schemas.openxmlformats.org/presentationml/2006/main" type="tx">
   <p:cSld name="Заголовок и пункты">
     <p:spTree>
       <p:nvGrpSpPr>
@@ -1481,7 +1534,9 @@
       <p:sp>
         <p:nvSpPr>
           <p:cNvPr id="56" name="Текст заголовка"/>
-          <p:cNvSpPr txBox="1"/>
+          <p:cNvSpPr txBox="1">
+            <a:spLocks noGrp="1"/>
+          </p:cNvSpPr>
           <p:nvPr>
             <p:ph type="title"/>
           </p:nvPr>
@@ -1495,7 +1550,6 @@
           <a:bodyPr/>
           <a:lstStyle/>
           <a:p>
-            <a:pPr/>
             <a:r>
               <a:t>Текст заголовка</a:t>
             </a:r>
@@ -1505,7 +1559,9 @@
       <p:sp>
         <p:nvSpPr>
           <p:cNvPr id="57" name="Уровень текста 1…"/>
-          <p:cNvSpPr txBox="1"/>
+          <p:cNvSpPr txBox="1">
+            <a:spLocks noGrp="1"/>
+          </p:cNvSpPr>
           <p:nvPr>
             <p:ph type="body" idx="1"/>
           </p:nvPr>
@@ -1519,7 +1575,6 @@
           <a:bodyPr/>
           <a:lstStyle/>
           <a:p>
-            <a:pPr/>
             <a:r>
               <a:t>Уровень текста 1</a:t>
             </a:r>
@@ -1553,7 +1608,9 @@
       <p:sp>
         <p:nvSpPr>
           <p:cNvPr id="58" name="Номер слайда"/>
-          <p:cNvSpPr txBox="1"/>
+          <p:cNvSpPr txBox="1">
+            <a:spLocks noGrp="1"/>
+          </p:cNvSpPr>
           <p:nvPr>
             <p:ph type="sldNum" sz="quarter" idx="2"/>
           </p:nvPr>
@@ -1567,8 +1624,10 @@
           <a:bodyPr anchor="t"/>
           <a:lstStyle/>
           <a:p>
-            <a:pPr/>
-            <a:fld id="{86CB4B4D-7CA3-9044-876B-883B54F8677D}" type="slidenum"/>
+            <a:fld id="{86CB4B4D-7CA3-9044-876B-883B54F8677D}" type="slidenum">
+              <a:t>‹#›</a:t>
+            </a:fld>
+            <a:endParaRPr/>
           </a:p>
         </p:txBody>
       </p:sp>
@@ -1577,12 +1636,12 @@
   <p:clrMapOvr>
     <a:masterClrMapping/>
   </p:clrMapOvr>
-  <p:transition xmlns:p14="http://schemas.microsoft.com/office/powerpoint/2010/main" spd="med" advClick="1"/>
+  <p:transition spd="med"/>
 </p:sldLayout>
 </file>
 
 <file path=ppt/slideLayouts/slideLayout7.xml><?xml version="1.0" encoding="utf-8"?>
-<p:sldLayout xmlns:a="http://schemas.openxmlformats.org/drawingml/2006/main" xmlns:r="http://schemas.openxmlformats.org/officeDocument/2006/relationships" xmlns:p="http://schemas.openxmlformats.org/presentationml/2006/main" xmlns:m="http://schemas.openxmlformats.org/officeDocument/2006/math" xmlns:a14="http://schemas.microsoft.com/office/drawing/2010/main" type="tx" showMasterSp="1" showMasterPhAnim="1">
+<p:sldLayout xmlns:a="http://schemas.openxmlformats.org/drawingml/2006/main" xmlns:r="http://schemas.openxmlformats.org/officeDocument/2006/relationships" xmlns:p="http://schemas.openxmlformats.org/presentationml/2006/main" type="tx">
   <p:cSld name="Заголовок, пункты и фото">
     <p:spTree>
       <p:nvGrpSpPr>
@@ -1601,7 +1660,9 @@
       <p:sp>
         <p:nvSpPr>
           <p:cNvPr id="65" name="Изображение"/>
-          <p:cNvSpPr/>
+          <p:cNvSpPr>
+            <a:spLocks noGrp="1"/>
+          </p:cNvSpPr>
           <p:nvPr>
             <p:ph type="pic" idx="21"/>
           </p:nvPr>
@@ -1621,14 +1682,16 @@
           </a:bodyPr>
           <a:lstStyle/>
           <a:p>
-            <a:pPr/>
+            <a:endParaRPr/>
           </a:p>
         </p:txBody>
       </p:sp>
       <p:sp>
         <p:nvSpPr>
           <p:cNvPr id="66" name="Текст заголовка"/>
-          <p:cNvSpPr txBox="1"/>
+          <p:cNvSpPr txBox="1">
+            <a:spLocks noGrp="1"/>
+          </p:cNvSpPr>
           <p:nvPr>
             <p:ph type="title"/>
           </p:nvPr>
@@ -1642,7 +1705,6 @@
           <a:bodyPr/>
           <a:lstStyle/>
           <a:p>
-            <a:pPr/>
             <a:r>
               <a:t>Текст заголовка</a:t>
             </a:r>
@@ -1652,7 +1714,9 @@
       <p:sp>
         <p:nvSpPr>
           <p:cNvPr id="67" name="Уровень текста 1…"/>
-          <p:cNvSpPr txBox="1"/>
+          <p:cNvSpPr txBox="1">
+            <a:spLocks noGrp="1"/>
+          </p:cNvSpPr>
           <p:nvPr>
             <p:ph type="body" sz="half" idx="1"/>
           </p:nvPr>
@@ -1701,7 +1765,6 @@
             </a:lvl5pPr>
           </a:lstStyle>
           <a:p>
-            <a:pPr/>
             <a:r>
               <a:t>Уровень текста 1</a:t>
             </a:r>
@@ -1735,7 +1798,9 @@
       <p:sp>
         <p:nvSpPr>
           <p:cNvPr id="68" name="Номер слайда"/>
-          <p:cNvSpPr txBox="1"/>
+          <p:cNvSpPr txBox="1">
+            <a:spLocks noGrp="1"/>
+          </p:cNvSpPr>
           <p:nvPr>
             <p:ph type="sldNum" sz="quarter" idx="2"/>
           </p:nvPr>
@@ -1749,8 +1814,10 @@
           <a:bodyPr anchor="t"/>
           <a:lstStyle/>
           <a:p>
-            <a:pPr/>
-            <a:fld id="{86CB4B4D-7CA3-9044-876B-883B54F8677D}" type="slidenum"/>
+            <a:fld id="{86CB4B4D-7CA3-9044-876B-883B54F8677D}" type="slidenum">
+              <a:t>‹#›</a:t>
+            </a:fld>
+            <a:endParaRPr/>
           </a:p>
         </p:txBody>
       </p:sp>
@@ -1759,12 +1826,12 @@
   <p:clrMapOvr>
     <a:masterClrMapping/>
   </p:clrMapOvr>
-  <p:transition xmlns:p14="http://schemas.microsoft.com/office/powerpoint/2010/main" spd="med" advClick="1"/>
+  <p:transition spd="med"/>
 </p:sldLayout>
 </file>
 
 <file path=ppt/slideLayouts/slideLayout8.xml><?xml version="1.0" encoding="utf-8"?>
-<p:sldLayout xmlns:a="http://schemas.openxmlformats.org/drawingml/2006/main" xmlns:r="http://schemas.openxmlformats.org/officeDocument/2006/relationships" xmlns:p="http://schemas.openxmlformats.org/presentationml/2006/main" xmlns:m="http://schemas.openxmlformats.org/officeDocument/2006/math" xmlns:a14="http://schemas.microsoft.com/office/drawing/2010/main" type="tx" showMasterSp="1" showMasterPhAnim="1">
+<p:sldLayout xmlns:a="http://schemas.openxmlformats.org/drawingml/2006/main" xmlns:r="http://schemas.openxmlformats.org/officeDocument/2006/relationships" xmlns:p="http://schemas.openxmlformats.org/presentationml/2006/main" type="tx">
   <p:cSld name="Пункты">
     <p:spTree>
       <p:nvGrpSpPr>
@@ -1783,7 +1850,9 @@
       <p:sp>
         <p:nvSpPr>
           <p:cNvPr id="75" name="Уровень текста 1…"/>
-          <p:cNvSpPr txBox="1"/>
+          <p:cNvSpPr txBox="1">
+            <a:spLocks noGrp="1"/>
+          </p:cNvSpPr>
           <p:nvPr>
             <p:ph type="body" idx="1"/>
           </p:nvPr>
@@ -1801,7 +1870,6 @@
           <a:bodyPr/>
           <a:lstStyle/>
           <a:p>
-            <a:pPr/>
             <a:r>
               <a:t>Уровень текста 1</a:t>
             </a:r>
@@ -1835,7 +1903,9 @@
       <p:sp>
         <p:nvSpPr>
           <p:cNvPr id="76" name="Номер слайда"/>
-          <p:cNvSpPr txBox="1"/>
+          <p:cNvSpPr txBox="1">
+            <a:spLocks noGrp="1"/>
+          </p:cNvSpPr>
           <p:nvPr>
             <p:ph type="sldNum" sz="quarter" idx="2"/>
           </p:nvPr>
@@ -1849,8 +1919,10 @@
           <a:bodyPr anchor="t"/>
           <a:lstStyle/>
           <a:p>
-            <a:pPr/>
-            <a:fld id="{86CB4B4D-7CA3-9044-876B-883B54F8677D}" type="slidenum"/>
+            <a:fld id="{86CB4B4D-7CA3-9044-876B-883B54F8677D}" type="slidenum">
+              <a:t>‹#›</a:t>
+            </a:fld>
+            <a:endParaRPr/>
           </a:p>
         </p:txBody>
       </p:sp>
@@ -1859,12 +1931,12 @@
   <p:clrMapOvr>
     <a:masterClrMapping/>
   </p:clrMapOvr>
-  <p:transition xmlns:p14="http://schemas.microsoft.com/office/powerpoint/2010/main" spd="med" advClick="1"/>
+  <p:transition spd="med"/>
 </p:sldLayout>
 </file>
 
 <file path=ppt/slideLayouts/slideLayout9.xml><?xml version="1.0" encoding="utf-8"?>
-<p:sldLayout xmlns:a="http://schemas.openxmlformats.org/drawingml/2006/main" xmlns:r="http://schemas.openxmlformats.org/officeDocument/2006/relationships" xmlns:p="http://schemas.openxmlformats.org/presentationml/2006/main" xmlns:m="http://schemas.openxmlformats.org/officeDocument/2006/math" xmlns:a14="http://schemas.microsoft.com/office/drawing/2010/main" type="tx" showMasterSp="1" showMasterPhAnim="1">
+<p:sldLayout xmlns:a="http://schemas.openxmlformats.org/drawingml/2006/main" xmlns:r="http://schemas.openxmlformats.org/officeDocument/2006/relationships" xmlns:p="http://schemas.openxmlformats.org/presentationml/2006/main" type="tx">
   <p:cSld name="Фото (3 шт.)">
     <p:spTree>
       <p:nvGrpSpPr>
@@ -1883,7 +1955,9 @@
       <p:sp>
         <p:nvSpPr>
           <p:cNvPr id="83" name="Изображение"/>
-          <p:cNvSpPr/>
+          <p:cNvSpPr>
+            <a:spLocks noGrp="1"/>
+          </p:cNvSpPr>
           <p:nvPr>
             <p:ph type="pic" sz="half" idx="21"/>
           </p:nvPr>
@@ -1903,14 +1977,16 @@
           </a:bodyPr>
           <a:lstStyle/>
           <a:p>
-            <a:pPr/>
+            <a:endParaRPr/>
           </a:p>
         </p:txBody>
       </p:sp>
       <p:sp>
         <p:nvSpPr>
           <p:cNvPr id="84" name="Изображение"/>
-          <p:cNvSpPr/>
+          <p:cNvSpPr>
+            <a:spLocks noGrp="1"/>
+          </p:cNvSpPr>
           <p:nvPr>
             <p:ph type="pic" sz="half" idx="22"/>
           </p:nvPr>
@@ -1930,14 +2006,16 @@
           </a:bodyPr>
           <a:lstStyle/>
           <a:p>
-            <a:pPr/>
+            <a:endParaRPr/>
           </a:p>
         </p:txBody>
       </p:sp>
       <p:sp>
         <p:nvSpPr>
           <p:cNvPr id="85" name="Изображение"/>
-          <p:cNvSpPr/>
+          <p:cNvSpPr>
+            <a:spLocks noGrp="1"/>
+          </p:cNvSpPr>
           <p:nvPr>
             <p:ph type="pic" idx="23"/>
           </p:nvPr>
@@ -1957,14 +2035,16 @@
           </a:bodyPr>
           <a:lstStyle/>
           <a:p>
-            <a:pPr/>
+            <a:endParaRPr/>
           </a:p>
         </p:txBody>
       </p:sp>
       <p:sp>
         <p:nvSpPr>
           <p:cNvPr id="86" name="Номер слайда"/>
-          <p:cNvSpPr txBox="1"/>
+          <p:cNvSpPr txBox="1">
+            <a:spLocks noGrp="1"/>
+          </p:cNvSpPr>
           <p:nvPr>
             <p:ph type="sldNum" sz="quarter" idx="2"/>
           </p:nvPr>
@@ -1978,8 +2058,10 @@
           <a:bodyPr anchor="t"/>
           <a:lstStyle/>
           <a:p>
-            <a:pPr/>
-            <a:fld id="{86CB4B4D-7CA3-9044-876B-883B54F8677D}" type="slidenum"/>
+            <a:fld id="{86CB4B4D-7CA3-9044-876B-883B54F8677D}" type="slidenum">
+              <a:t>‹#›</a:t>
+            </a:fld>
+            <a:endParaRPr/>
           </a:p>
         </p:txBody>
       </p:sp>
@@ -1988,22 +2070,23 @@
   <p:clrMapOvr>
     <a:masterClrMapping/>
   </p:clrMapOvr>
-  <p:transition xmlns:p14="http://schemas.microsoft.com/office/powerpoint/2010/main" spd="med" advClick="1"/>
+  <p:transition spd="med"/>
 </p:sldLayout>
 </file>
 
 <file path=ppt/slideMasters/slideMaster1.xml><?xml version="1.0" encoding="utf-8"?>
-<p:sldMaster xmlns:a="http://schemas.openxmlformats.org/drawingml/2006/main" xmlns:r="http://schemas.openxmlformats.org/officeDocument/2006/relationships" xmlns:p="http://schemas.openxmlformats.org/presentationml/2006/main" xmlns:m="http://schemas.openxmlformats.org/officeDocument/2006/math" xmlns:a14="http://schemas.microsoft.com/office/drawing/2010/main">
+<p:sldMaster xmlns:a="http://schemas.openxmlformats.org/drawingml/2006/main" xmlns:r="http://schemas.openxmlformats.org/officeDocument/2006/relationships" xmlns:p="http://schemas.openxmlformats.org/presentationml/2006/main">
   <p:cSld>
     <p:bg>
       <p:bgPr>
         <a:blipFill rotWithShape="1">
-          <a:blip r:embed="rId2"/>
-          <a:srcRect l="0" t="0" r="0" b="0"/>
+          <a:blip r:embed="rId14"/>
+          <a:srcRect/>
           <a:stretch>
             <a:fillRect/>
           </a:stretch>
         </a:blipFill>
+        <a:effectLst/>
       </p:bgPr>
     </p:bg>
     <p:spTree>
@@ -2023,7 +2106,9 @@
       <p:sp>
         <p:nvSpPr>
           <p:cNvPr id="2" name="Текст заголовка"/>
-          <p:cNvSpPr txBox="1"/>
+          <p:cNvSpPr txBox="1">
+            <a:spLocks noGrp="1"/>
+          </p:cNvSpPr>
           <p:nvPr>
             <p:ph type="title"/>
           </p:nvPr>
@@ -2041,17 +2126,16 @@
           </a:ln>
           <a:extLst>
             <a:ext uri="{C572A759-6A51-4108-AA02-DFA0A04FC94B}">
-              <ma14:wrappingTextBoxFlag xmlns:ma14="http://schemas.microsoft.com/office/mac/drawingml/2011/main" val="1"/>
+              <ma14:wrappingTextBoxFlag xmlns:ma14="http://schemas.microsoft.com/office/mac/drawingml/2011/main" xmlns:a14="http://schemas.microsoft.com/office/drawing/2010/main" xmlns:m="http://schemas.openxmlformats.org/officeDocument/2006/math" xmlns="" val="1"/>
             </a:ext>
           </a:extLst>
         </p:spPr>
         <p:txBody>
           <a:bodyPr lIns="50800" tIns="50800" rIns="50800" bIns="50800" anchor="ctr">
-            <a:normAutofit fontScale="100000" lnSpcReduction="0"/>
+            <a:normAutofit/>
           </a:bodyPr>
           <a:lstStyle/>
           <a:p>
-            <a:pPr/>
             <a:r>
               <a:t>Текст заголовка</a:t>
             </a:r>
@@ -2061,7 +2145,9 @@
       <p:sp>
         <p:nvSpPr>
           <p:cNvPr id="3" name="Уровень текста 1…"/>
-          <p:cNvSpPr txBox="1"/>
+          <p:cNvSpPr txBox="1">
+            <a:spLocks noGrp="1"/>
+          </p:cNvSpPr>
           <p:nvPr>
             <p:ph type="body" idx="1"/>
           </p:nvPr>
@@ -2079,17 +2165,16 @@
           </a:ln>
           <a:extLst>
             <a:ext uri="{C572A759-6A51-4108-AA02-DFA0A04FC94B}">
-              <ma14:wrappingTextBoxFlag xmlns:ma14="http://schemas.microsoft.com/office/mac/drawingml/2011/main" val="1"/>
+              <ma14:wrappingTextBoxFlag xmlns:ma14="http://schemas.microsoft.com/office/mac/drawingml/2011/main" xmlns:a14="http://schemas.microsoft.com/office/drawing/2010/main" xmlns:m="http://schemas.openxmlformats.org/officeDocument/2006/math" xmlns="" val="1"/>
             </a:ext>
           </a:extLst>
         </p:spPr>
         <p:txBody>
           <a:bodyPr lIns="50800" tIns="50800" rIns="50800" bIns="50800" anchor="ctr">
-            <a:normAutofit fontScale="100000" lnSpcReduction="0"/>
+            <a:normAutofit/>
           </a:bodyPr>
           <a:lstStyle/>
           <a:p>
-            <a:pPr/>
             <a:r>
               <a:t>Уровень текста 1</a:t>
             </a:r>
@@ -2123,7 +2208,9 @@
       <p:sp>
         <p:nvSpPr>
           <p:cNvPr id="4" name="Номер слайда"/>
-          <p:cNvSpPr txBox="1"/>
+          <p:cNvSpPr txBox="1">
+            <a:spLocks noGrp="1"/>
+          </p:cNvSpPr>
           <p:nvPr>
             <p:ph type="sldNum" sz="quarter" idx="2"/>
           </p:nvPr>
@@ -2150,8 +2237,10 @@
             </a:lvl1pPr>
           </a:lstStyle>
           <a:p>
-            <a:pPr/>
-            <a:fld id="{86CB4B4D-7CA3-9044-876B-883B54F8677D}" type="slidenum"/>
+            <a:fld id="{86CB4B4D-7CA3-9044-876B-883B54F8677D}" type="slidenum">
+              <a:t>‹#›</a:t>
+            </a:fld>
+            <a:endParaRPr/>
           </a:p>
         </p:txBody>
       </p:sp>
@@ -2159,20 +2248,20 @@
   </p:cSld>
   <p:clrMap bg1="dk1" tx1="lt1" bg2="dk2" tx2="lt2" accent1="accent1" accent2="accent2" accent3="accent3" accent4="accent4" accent5="accent5" accent6="accent6" hlink="hlink" folHlink="folHlink"/>
   <p:sldLayoutIdLst>
-    <p:sldLayoutId id="2147483649" r:id="rId3"/>
-    <p:sldLayoutId id="2147483650" r:id="rId4"/>
-    <p:sldLayoutId id="2147483651" r:id="rId5"/>
-    <p:sldLayoutId id="2147483652" r:id="rId6"/>
-    <p:sldLayoutId id="2147483653" r:id="rId7"/>
-    <p:sldLayoutId id="2147483654" r:id="rId8"/>
-    <p:sldLayoutId id="2147483655" r:id="rId9"/>
-    <p:sldLayoutId id="2147483656" r:id="rId10"/>
-    <p:sldLayoutId id="2147483657" r:id="rId11"/>
-    <p:sldLayoutId id="2147483658" r:id="rId12"/>
-    <p:sldLayoutId id="2147483659" r:id="rId13"/>
-    <p:sldLayoutId id="2147483660" r:id="rId14"/>
+    <p:sldLayoutId id="2147483649" r:id="rId1"/>
+    <p:sldLayoutId id="2147483650" r:id="rId2"/>
+    <p:sldLayoutId id="2147483651" r:id="rId3"/>
+    <p:sldLayoutId id="2147483652" r:id="rId4"/>
+    <p:sldLayoutId id="2147483653" r:id="rId5"/>
+    <p:sldLayoutId id="2147483654" r:id="rId6"/>
+    <p:sldLayoutId id="2147483655" r:id="rId7"/>
+    <p:sldLayoutId id="2147483656" r:id="rId8"/>
+    <p:sldLayoutId id="2147483657" r:id="rId9"/>
+    <p:sldLayoutId id="2147483658" r:id="rId10"/>
+    <p:sldLayoutId id="2147483659" r:id="rId11"/>
+    <p:sldLayoutId id="2147483660" r:id="rId12"/>
   </p:sldLayoutIdLst>
-  <p:transition xmlns:p14="http://schemas.microsoft.com/office/powerpoint/2010/main" spd="med" advClick="1"/>
+  <p:transition spd="med"/>
   <p:txStyles>
     <p:titleStyle>
       <a:lvl1pPr marL="0" marR="0" indent="0" algn="ctr" defTabSz="825500" rtl="0" latinLnBrk="0">
@@ -2190,7 +2279,7 @@
         <a:buFontTx/>
         <a:buNone/>
         <a:tabLst/>
-        <a:defRPr b="0" baseline="0" cap="none" i="0" spc="0" strike="noStrike" sz="11200" u="none">
+        <a:defRPr sz="11200" b="0" i="0" u="none" strike="noStrike" cap="none" spc="0" baseline="0">
           <a:solidFill>
             <a:srgbClr val="FFFFFF"/>
           </a:solidFill>
@@ -2216,7 +2305,7 @@
         <a:buFontTx/>
         <a:buNone/>
         <a:tabLst/>
-        <a:defRPr b="0" baseline="0" cap="none" i="0" spc="0" strike="noStrike" sz="11200" u="none">
+        <a:defRPr sz="11200" b="0" i="0" u="none" strike="noStrike" cap="none" spc="0" baseline="0">
           <a:solidFill>
             <a:srgbClr val="FFFFFF"/>
           </a:solidFill>
@@ -2242,7 +2331,7 @@
         <a:buFontTx/>
         <a:buNone/>
         <a:tabLst/>
-        <a:defRPr b="0" baseline="0" cap="none" i="0" spc="0" strike="noStrike" sz="11200" u="none">
+        <a:defRPr sz="11200" b="0" i="0" u="none" strike="noStrike" cap="none" spc="0" baseline="0">
           <a:solidFill>
             <a:srgbClr val="FFFFFF"/>
           </a:solidFill>
@@ -2268,7 +2357,7 @@
         <a:buFontTx/>
         <a:buNone/>
         <a:tabLst/>
-        <a:defRPr b="0" baseline="0" cap="none" i="0" spc="0" strike="noStrike" sz="11200" u="none">
+        <a:defRPr sz="11200" b="0" i="0" u="none" strike="noStrike" cap="none" spc="0" baseline="0">
           <a:solidFill>
             <a:srgbClr val="FFFFFF"/>
           </a:solidFill>
@@ -2294,7 +2383,7 @@
         <a:buFontTx/>
         <a:buNone/>
         <a:tabLst/>
-        <a:defRPr b="0" baseline="0" cap="none" i="0" spc="0" strike="noStrike" sz="11200" u="none">
+        <a:defRPr sz="11200" b="0" i="0" u="none" strike="noStrike" cap="none" spc="0" baseline="0">
           <a:solidFill>
             <a:srgbClr val="FFFFFF"/>
           </a:solidFill>
@@ -2320,7 +2409,7 @@
         <a:buFontTx/>
         <a:buNone/>
         <a:tabLst/>
-        <a:defRPr b="0" baseline="0" cap="none" i="0" spc="0" strike="noStrike" sz="11200" u="none">
+        <a:defRPr sz="11200" b="0" i="0" u="none" strike="noStrike" cap="none" spc="0" baseline="0">
           <a:solidFill>
             <a:srgbClr val="FFFFFF"/>
           </a:solidFill>
@@ -2346,7 +2435,7 @@
         <a:buFontTx/>
         <a:buNone/>
         <a:tabLst/>
-        <a:defRPr b="0" baseline="0" cap="none" i="0" spc="0" strike="noStrike" sz="11200" u="none">
+        <a:defRPr sz="11200" b="0" i="0" u="none" strike="noStrike" cap="none" spc="0" baseline="0">
           <a:solidFill>
             <a:srgbClr val="FFFFFF"/>
           </a:solidFill>
@@ -2372,7 +2461,7 @@
         <a:buFontTx/>
         <a:buNone/>
         <a:tabLst/>
-        <a:defRPr b="0" baseline="0" cap="none" i="0" spc="0" strike="noStrike" sz="11200" u="none">
+        <a:defRPr sz="11200" b="0" i="0" u="none" strike="noStrike" cap="none" spc="0" baseline="0">
           <a:solidFill>
             <a:srgbClr val="FFFFFF"/>
           </a:solidFill>
@@ -2398,7 +2487,7 @@
         <a:buFontTx/>
         <a:buNone/>
         <a:tabLst/>
-        <a:defRPr b="0" baseline="0" cap="none" i="0" spc="0" strike="noStrike" sz="11200" u="none">
+        <a:defRPr sz="11200" b="0" i="0" u="none" strike="noStrike" cap="none" spc="0" baseline="0">
           <a:solidFill>
             <a:srgbClr val="FFFFFF"/>
           </a:solidFill>
@@ -2426,7 +2515,7 @@
         <a:buFontTx/>
         <a:buChar char="•"/>
         <a:tabLst/>
-        <a:defRPr b="0" baseline="0" cap="none" i="0" spc="0" strike="noStrike" sz="5200" u="none">
+        <a:defRPr sz="5200" b="0" i="0" u="none" strike="noStrike" cap="none" spc="0" baseline="0">
           <a:solidFill>
             <a:srgbClr val="FFFFFF"/>
           </a:solidFill>
@@ -2452,7 +2541,7 @@
         <a:buFontTx/>
         <a:buChar char="•"/>
         <a:tabLst/>
-        <a:defRPr b="0" baseline="0" cap="none" i="0" spc="0" strike="noStrike" sz="5200" u="none">
+        <a:defRPr sz="5200" b="0" i="0" u="none" strike="noStrike" cap="none" spc="0" baseline="0">
           <a:solidFill>
             <a:srgbClr val="FFFFFF"/>
           </a:solidFill>
@@ -2478,7 +2567,7 @@
         <a:buFontTx/>
         <a:buChar char="•"/>
         <a:tabLst/>
-        <a:defRPr b="0" baseline="0" cap="none" i="0" spc="0" strike="noStrike" sz="5200" u="none">
+        <a:defRPr sz="5200" b="0" i="0" u="none" strike="noStrike" cap="none" spc="0" baseline="0">
           <a:solidFill>
             <a:srgbClr val="FFFFFF"/>
           </a:solidFill>
@@ -2504,7 +2593,7 @@
         <a:buFontTx/>
         <a:buChar char="•"/>
         <a:tabLst/>
-        <a:defRPr b="0" baseline="0" cap="none" i="0" spc="0" strike="noStrike" sz="5200" u="none">
+        <a:defRPr sz="5200" b="0" i="0" u="none" strike="noStrike" cap="none" spc="0" baseline="0">
           <a:solidFill>
             <a:srgbClr val="FFFFFF"/>
           </a:solidFill>
@@ -2530,7 +2619,7 @@
         <a:buFontTx/>
         <a:buChar char="•"/>
         <a:tabLst/>
-        <a:defRPr b="0" baseline="0" cap="none" i="0" spc="0" strike="noStrike" sz="5200" u="none">
+        <a:defRPr sz="5200" b="0" i="0" u="none" strike="noStrike" cap="none" spc="0" baseline="0">
           <a:solidFill>
             <a:srgbClr val="FFFFFF"/>
           </a:solidFill>
@@ -2556,7 +2645,7 @@
         <a:buFontTx/>
         <a:buChar char="•"/>
         <a:tabLst/>
-        <a:defRPr b="0" baseline="0" cap="none" i="0" spc="0" strike="noStrike" sz="5200" u="none">
+        <a:defRPr sz="5200" b="0" i="0" u="none" strike="noStrike" cap="none" spc="0" baseline="0">
           <a:solidFill>
             <a:srgbClr val="FFFFFF"/>
           </a:solidFill>
@@ -2582,7 +2671,7 @@
         <a:buFontTx/>
         <a:buChar char="•"/>
         <a:tabLst/>
-        <a:defRPr b="0" baseline="0" cap="none" i="0" spc="0" strike="noStrike" sz="5200" u="none">
+        <a:defRPr sz="5200" b="0" i="0" u="none" strike="noStrike" cap="none" spc="0" baseline="0">
           <a:solidFill>
             <a:srgbClr val="FFFFFF"/>
           </a:solidFill>
@@ -2608,7 +2697,7 @@
         <a:buFontTx/>
         <a:buChar char="•"/>
         <a:tabLst/>
-        <a:defRPr b="0" baseline="0" cap="none" i="0" spc="0" strike="noStrike" sz="5200" u="none">
+        <a:defRPr sz="5200" b="0" i="0" u="none" strike="noStrike" cap="none" spc="0" baseline="0">
           <a:solidFill>
             <a:srgbClr val="FFFFFF"/>
           </a:solidFill>
@@ -2634,7 +2723,7 @@
         <a:buFontTx/>
         <a:buChar char="•"/>
         <a:tabLst/>
-        <a:defRPr b="0" baseline="0" cap="none" i="0" spc="0" strike="noStrike" sz="5200" u="none">
+        <a:defRPr sz="5200" b="0" i="0" u="none" strike="noStrike" cap="none" spc="0" baseline="0">
           <a:solidFill>
             <a:srgbClr val="FFFFFF"/>
           </a:solidFill>
@@ -2662,7 +2751,7 @@
         <a:buFontTx/>
         <a:buNone/>
         <a:tabLst/>
-        <a:defRPr b="0" baseline="0" cap="none" i="0" spc="0" strike="noStrike" sz="2400" u="none">
+        <a:defRPr sz="2400" b="0" i="0" u="none" strike="noStrike" cap="none" spc="0" baseline="0">
           <a:solidFill>
             <a:schemeClr val="tx1"/>
           </a:solidFill>
@@ -2688,7 +2777,7 @@
         <a:buFontTx/>
         <a:buNone/>
         <a:tabLst/>
-        <a:defRPr b="0" baseline="0" cap="none" i="0" spc="0" strike="noStrike" sz="2400" u="none">
+        <a:defRPr sz="2400" b="0" i="0" u="none" strike="noStrike" cap="none" spc="0" baseline="0">
           <a:solidFill>
             <a:schemeClr val="tx1"/>
           </a:solidFill>
@@ -2714,7 +2803,7 @@
         <a:buFontTx/>
         <a:buNone/>
         <a:tabLst/>
-        <a:defRPr b="0" baseline="0" cap="none" i="0" spc="0" strike="noStrike" sz="2400" u="none">
+        <a:defRPr sz="2400" b="0" i="0" u="none" strike="noStrike" cap="none" spc="0" baseline="0">
           <a:solidFill>
             <a:schemeClr val="tx1"/>
           </a:solidFill>
@@ -2740,7 +2829,7 @@
         <a:buFontTx/>
         <a:buNone/>
         <a:tabLst/>
-        <a:defRPr b="0" baseline="0" cap="none" i="0" spc="0" strike="noStrike" sz="2400" u="none">
+        <a:defRPr sz="2400" b="0" i="0" u="none" strike="noStrike" cap="none" spc="0" baseline="0">
           <a:solidFill>
             <a:schemeClr val="tx1"/>
           </a:solidFill>
@@ -2766,7 +2855,7 @@
         <a:buFontTx/>
         <a:buNone/>
         <a:tabLst/>
-        <a:defRPr b="0" baseline="0" cap="none" i="0" spc="0" strike="noStrike" sz="2400" u="none">
+        <a:defRPr sz="2400" b="0" i="0" u="none" strike="noStrike" cap="none" spc="0" baseline="0">
           <a:solidFill>
             <a:schemeClr val="tx1"/>
           </a:solidFill>
@@ -2792,7 +2881,7 @@
         <a:buFontTx/>
         <a:buNone/>
         <a:tabLst/>
-        <a:defRPr b="0" baseline="0" cap="none" i="0" spc="0" strike="noStrike" sz="2400" u="none">
+        <a:defRPr sz="2400" b="0" i="0" u="none" strike="noStrike" cap="none" spc="0" baseline="0">
           <a:solidFill>
             <a:schemeClr val="tx1"/>
           </a:solidFill>
@@ -2818,7 +2907,7 @@
         <a:buFontTx/>
         <a:buNone/>
         <a:tabLst/>
-        <a:defRPr b="0" baseline="0" cap="none" i="0" spc="0" strike="noStrike" sz="2400" u="none">
+        <a:defRPr sz="2400" b="0" i="0" u="none" strike="noStrike" cap="none" spc="0" baseline="0">
           <a:solidFill>
             <a:schemeClr val="tx1"/>
           </a:solidFill>
@@ -2844,7 +2933,7 @@
         <a:buFontTx/>
         <a:buNone/>
         <a:tabLst/>
-        <a:defRPr b="0" baseline="0" cap="none" i="0" spc="0" strike="noStrike" sz="2400" u="none">
+        <a:defRPr sz="2400" b="0" i="0" u="none" strike="noStrike" cap="none" spc="0" baseline="0">
           <a:solidFill>
             <a:schemeClr val="tx1"/>
           </a:solidFill>
@@ -2870,7 +2959,7 @@
         <a:buFontTx/>
         <a:buNone/>
         <a:tabLst/>
-        <a:defRPr b="0" baseline="0" cap="none" i="0" spc="0" strike="noStrike" sz="2400" u="none">
+        <a:defRPr sz="2400" b="0" i="0" u="none" strike="noStrike" cap="none" spc="0" baseline="0">
           <a:solidFill>
             <a:schemeClr val="tx1"/>
           </a:solidFill>
@@ -2887,7 +2976,7 @@
 </file>
 
 <file path=ppt/slides/slide1.xml><?xml version="1.0" encoding="utf-8"?>
-<p:sld xmlns:a="http://schemas.openxmlformats.org/drawingml/2006/main" xmlns:r="http://schemas.openxmlformats.org/officeDocument/2006/relationships" xmlns:p="http://schemas.openxmlformats.org/presentationml/2006/main" xmlns:m="http://schemas.openxmlformats.org/officeDocument/2006/math" xmlns:a14="http://schemas.microsoft.com/office/drawing/2010/main" showMasterSp="1" showMasterPhAnim="1">
+<p:sld xmlns:a="http://schemas.openxmlformats.org/drawingml/2006/main" xmlns:r="http://schemas.openxmlformats.org/officeDocument/2006/relationships" xmlns:p="http://schemas.openxmlformats.org/presentationml/2006/main">
   <p:cSld>
     <p:spTree>
       <p:nvGrpSpPr>
@@ -2906,7 +2995,9 @@
       <p:sp>
         <p:nvSpPr>
           <p:cNvPr id="119" name="Сheck Чек"/>
-          <p:cNvSpPr txBox="1"/>
+          <p:cNvSpPr txBox="1">
+            <a:spLocks noGrp="1"/>
+          </p:cNvSpPr>
           <p:nvPr>
             <p:ph type="ctrTitle"/>
           </p:nvPr>
@@ -2920,7 +3011,6 @@
           <a:bodyPr/>
           <a:lstStyle/>
           <a:p>
-            <a:pPr/>
             <a:r>
               <a:t>Сheck Чек</a:t>
             </a:r>
@@ -2932,12 +3022,12 @@
   <p:clrMapOvr>
     <a:masterClrMapping/>
   </p:clrMapOvr>
-  <p:transition xmlns:p14="http://schemas.microsoft.com/office/powerpoint/2010/main" spd="med" advClick="1"/>
+  <p:transition spd="med"/>
 </p:sld>
 </file>
 
 <file path=ppt/slides/slide2.xml><?xml version="1.0" encoding="utf-8"?>
-<p:sld xmlns:a="http://schemas.openxmlformats.org/drawingml/2006/main" xmlns:r="http://schemas.openxmlformats.org/officeDocument/2006/relationships" xmlns:p="http://schemas.openxmlformats.org/presentationml/2006/main" xmlns:m="http://schemas.openxmlformats.org/officeDocument/2006/math" xmlns:a14="http://schemas.microsoft.com/office/drawing/2010/main" showMasterSp="1" showMasterPhAnim="1">
+<p:sld xmlns:a="http://schemas.openxmlformats.org/drawingml/2006/main" xmlns:r="http://schemas.openxmlformats.org/officeDocument/2006/relationships" xmlns:p="http://schemas.openxmlformats.org/presentationml/2006/main">
   <p:cSld>
     <p:spTree>
       <p:nvGrpSpPr>
@@ -2956,7 +3046,9 @@
       <p:sp>
         <p:nvSpPr>
           <p:cNvPr id="121" name="Структура базы данных"/>
-          <p:cNvSpPr txBox="1"/>
+          <p:cNvSpPr txBox="1">
+            <a:spLocks noGrp="1"/>
+          </p:cNvSpPr>
           <p:nvPr>
             <p:ph type="ctrTitle"/>
           </p:nvPr>
@@ -2974,7 +3066,6 @@
           <a:bodyPr/>
           <a:lstStyle/>
           <a:p>
-            <a:pPr/>
             <a:r>
               <a:t>Структура базы данных</a:t>
             </a:r>
@@ -2990,9 +3081,7 @@
           <p:nvPr/>
         </p:nvPicPr>
         <p:blipFill>
-          <a:blip r:embed="rId2">
-            <a:extLst/>
-          </a:blip>
+          <a:blip r:embed="rId2"/>
           <a:stretch>
             <a:fillRect/>
           </a:stretch>
@@ -3015,12 +3104,12 @@
   <p:clrMapOvr>
     <a:masterClrMapping/>
   </p:clrMapOvr>
-  <p:transition xmlns:p14="http://schemas.microsoft.com/office/powerpoint/2010/main" spd="med" advClick="1"/>
+  <p:transition spd="med"/>
 </p:sld>
 </file>
 
 <file path=ppt/slides/slide3.xml><?xml version="1.0" encoding="utf-8"?>
-<p:sld xmlns:a="http://schemas.openxmlformats.org/drawingml/2006/main" xmlns:r="http://schemas.openxmlformats.org/officeDocument/2006/relationships" xmlns:p="http://schemas.openxmlformats.org/presentationml/2006/main" xmlns:m="http://schemas.openxmlformats.org/officeDocument/2006/math" xmlns:a14="http://schemas.microsoft.com/office/drawing/2010/main" showMasterSp="1" showMasterPhAnim="1">
+<p:sld xmlns:a="http://schemas.openxmlformats.org/drawingml/2006/main" xmlns:r="http://schemas.openxmlformats.org/officeDocument/2006/relationships" xmlns:p="http://schemas.openxmlformats.org/presentationml/2006/main">
   <p:cSld>
     <p:spTree>
       <p:nvGrpSpPr>
@@ -3039,7 +3128,9 @@
       <p:sp>
         <p:nvSpPr>
           <p:cNvPr id="124" name="Реализовано 7 страниц"/>
-          <p:cNvSpPr txBox="1"/>
+          <p:cNvSpPr txBox="1">
+            <a:spLocks noGrp="1"/>
+          </p:cNvSpPr>
           <p:nvPr>
             <p:ph type="ctrTitle"/>
           </p:nvPr>
@@ -3057,17 +3148,34 @@
           <a:bodyPr/>
           <a:lstStyle/>
           <a:p>
-            <a:pPr/>
-            <a:r>
-              <a:t>Реализовано 7 страниц</a:t>
-            </a:r>
+            <a:r>
+              <a:rPr dirty="0" err="1"/>
+              <a:t>Реализовано</a:t>
+            </a:r>
+            <a:r>
+              <a:t> </a:t>
+            </a:r>
+            <a:r>
+              <a:rPr lang="en-US"/>
+              <a:t>6</a:t>
+            </a:r>
+            <a:r>
+              <a:t> </a:t>
+            </a:r>
+            <a:r>
+              <a:rPr dirty="0" err="1"/>
+              <a:t>страниц</a:t>
+            </a:r>
+            <a:endParaRPr dirty="0"/>
           </a:p>
         </p:txBody>
       </p:sp>
       <p:sp>
         <p:nvSpPr>
           <p:cNvPr id="125" name="Вход…"/>
-          <p:cNvSpPr txBox="1"/>
+          <p:cNvSpPr txBox="1">
+            <a:spLocks noGrp="1"/>
+          </p:cNvSpPr>
           <p:nvPr>
             <p:ph type="subTitle" sz="half" idx="1"/>
           </p:nvPr>
@@ -3090,8 +3198,10 @@
               <a:buChar char="•"/>
             </a:pPr>
             <a:r>
+              <a:rPr dirty="0" err="1"/>
               <a:t>Вход</a:t>
             </a:r>
+            <a:endParaRPr dirty="0"/>
           </a:p>
           <a:p>
             <a:pPr marL="515815" indent="-515815" algn="l">
@@ -3099,8 +3209,10 @@
               <a:buChar char="•"/>
             </a:pPr>
             <a:r>
+              <a:rPr dirty="0" err="1"/>
               <a:t>Регистрация</a:t>
             </a:r>
+            <a:endParaRPr dirty="0"/>
           </a:p>
           <a:p>
             <a:pPr marL="515815" indent="-515815" algn="l">
@@ -3108,8 +3220,18 @@
               <a:buChar char="•"/>
             </a:pPr>
             <a:r>
-              <a:t>Личный кабинет</a:t>
-            </a:r>
+              <a:rPr dirty="0" err="1"/>
+              <a:t>Личный</a:t>
+            </a:r>
+            <a:r>
+              <a:rPr dirty="0"/>
+              <a:t> </a:t>
+            </a:r>
+            <a:r>
+              <a:rPr dirty="0" err="1"/>
+              <a:t>кабинет</a:t>
+            </a:r>
+            <a:endParaRPr dirty="0"/>
           </a:p>
           <a:p>
             <a:pPr marL="515815" indent="-515815" algn="l">
@@ -3117,8 +3239,18 @@
               <a:buChar char="•"/>
             </a:pPr>
             <a:r>
-              <a:t>Добавление чека</a:t>
-            </a:r>
+              <a:rPr dirty="0" err="1"/>
+              <a:t>Добавление</a:t>
+            </a:r>
+            <a:r>
+              <a:rPr dirty="0"/>
+              <a:t> </a:t>
+            </a:r>
+            <a:r>
+              <a:rPr dirty="0" err="1"/>
+              <a:t>чека</a:t>
+            </a:r>
+            <a:endParaRPr dirty="0"/>
           </a:p>
           <a:p>
             <a:pPr marL="515815" indent="-515815" algn="l">
@@ -3126,8 +3258,18 @@
               <a:buChar char="•"/>
             </a:pPr>
             <a:r>
-              <a:t>Добавление типа</a:t>
-            </a:r>
+              <a:rPr dirty="0" err="1"/>
+              <a:t>Добавление</a:t>
+            </a:r>
+            <a:r>
+              <a:rPr dirty="0"/>
+              <a:t> </a:t>
+            </a:r>
+            <a:r>
+              <a:rPr dirty="0" err="1"/>
+              <a:t>типа</a:t>
+            </a:r>
+            <a:endParaRPr dirty="0"/>
           </a:p>
           <a:p>
             <a:pPr marL="515815" indent="-515815" algn="l">
@@ -3135,17 +3277,18 @@
               <a:buChar char="•"/>
             </a:pPr>
             <a:r>
-              <a:t>Все чеки</a:t>
-            </a:r>
-          </a:p>
-          <a:p>
-            <a:pPr marL="515815" indent="-515815" algn="l">
-              <a:buSzPct val="75000"/>
-              <a:buChar char="•"/>
-            </a:pPr>
-            <a:r>
-              <a:t>Все растраты</a:t>
-            </a:r>
+              <a:rPr dirty="0" err="1"/>
+              <a:t>Все</a:t>
+            </a:r>
+            <a:r>
+              <a:rPr dirty="0"/>
+              <a:t> </a:t>
+            </a:r>
+            <a:r>
+              <a:rPr dirty="0" err="1"/>
+              <a:t>чеки</a:t>
+            </a:r>
+            <a:endParaRPr dirty="0"/>
           </a:p>
         </p:txBody>
       </p:sp>
@@ -3154,12 +3297,12 @@
   <p:clrMapOvr>
     <a:masterClrMapping/>
   </p:clrMapOvr>
-  <p:transition xmlns:p14="http://schemas.microsoft.com/office/powerpoint/2010/main" spd="med" advClick="1"/>
+  <p:transition spd="med"/>
 </p:sld>
 </file>
 
 <file path=ppt/slides/slide4.xml><?xml version="1.0" encoding="utf-8"?>
-<p:sld xmlns:a="http://schemas.openxmlformats.org/drawingml/2006/main" xmlns:r="http://schemas.openxmlformats.org/officeDocument/2006/relationships" xmlns:p="http://schemas.openxmlformats.org/presentationml/2006/main" xmlns:m="http://schemas.openxmlformats.org/officeDocument/2006/math" xmlns:a14="http://schemas.microsoft.com/office/drawing/2010/main" showMasterSp="1" showMasterPhAnim="1">
+<p:sld xmlns:a="http://schemas.openxmlformats.org/drawingml/2006/main" xmlns:r="http://schemas.openxmlformats.org/officeDocument/2006/relationships" xmlns:p="http://schemas.openxmlformats.org/presentationml/2006/main">
   <p:cSld>
     <p:spTree>
       <p:nvGrpSpPr>
@@ -3178,7 +3321,9 @@
       <p:sp>
         <p:nvSpPr>
           <p:cNvPr id="127" name="Спасибо за внимание!"/>
-          <p:cNvSpPr txBox="1"/>
+          <p:cNvSpPr txBox="1">
+            <a:spLocks noGrp="1"/>
+          </p:cNvSpPr>
           <p:nvPr>
             <p:ph type="ctrTitle"/>
           </p:nvPr>
@@ -3196,7 +3341,6 @@
           <a:bodyPr/>
           <a:lstStyle/>
           <a:p>
-            <a:pPr/>
             <a:r>
               <a:t>Спасибо за внимание!</a:t>
             </a:r>
@@ -3208,12 +3352,12 @@
   <p:clrMapOvr>
     <a:masterClrMapping/>
   </p:clrMapOvr>
-  <p:transition xmlns:p14="http://schemas.microsoft.com/office/powerpoint/2010/main" spd="med" advClick="1"/>
+  <p:transition spd="med"/>
 </p:sld>
 </file>
 
 <file path=ppt/theme/theme1.xml><?xml version="1.0" encoding="utf-8"?>
-<a:theme xmlns:a="http://schemas.openxmlformats.org/drawingml/2006/main" xmlns:r="http://schemas.openxmlformats.org/officeDocument/2006/relationships" name="Gradient">
+<a:theme xmlns:a="http://schemas.openxmlformats.org/drawingml/2006/main" name="Gradient">
   <a:themeElements>
     <a:clrScheme name="Gradient">
       <a:dk1>
@@ -3339,7 +3483,7 @@
       <a:effectStyleLst>
         <a:effectStyle>
           <a:effectLst>
-            <a:outerShdw sx="100000" sy="100000" kx="0" ky="0" algn="b" rotWithShape="0" blurRad="76200" dist="0" dir="18900000">
+            <a:outerShdw blurRad="76200" dir="18900000" rotWithShape="0">
               <a:srgbClr val="000000">
                 <a:alpha val="80000"/>
               </a:srgbClr>
@@ -3348,7 +3492,7 @@
         </a:effectStyle>
         <a:effectStyle>
           <a:effectLst>
-            <a:outerShdw sx="100000" sy="100000" kx="0" ky="0" algn="b" rotWithShape="0" blurRad="76200" dist="0" dir="18900000">
+            <a:outerShdw blurRad="76200" dir="18900000" rotWithShape="0">
               <a:srgbClr val="000000">
                 <a:alpha val="80000"/>
               </a:srgbClr>
@@ -3357,7 +3501,7 @@
         </a:effectStyle>
         <a:effectStyle>
           <a:effectLst>
-            <a:outerShdw sx="100000" sy="100000" kx="0" ky="0" algn="b" rotWithShape="0" blurRad="76200" dist="0" dir="18900000">
+            <a:outerShdw blurRad="76200" dir="18900000" rotWithShape="0">
               <a:srgbClr val="000000">
                 <a:alpha val="80000"/>
               </a:srgbClr>
@@ -3440,7 +3584,7 @@
           <a:miter lim="400000"/>
         </a:ln>
         <a:effectLst>
-          <a:outerShdw sx="100000" sy="100000" kx="0" ky="0" algn="b" rotWithShape="0" blurRad="76200" dist="0" dir="18900000">
+          <a:outerShdw blurRad="76200" dir="18900000" rotWithShape="0">
             <a:srgbClr val="000000">
               <a:alpha val="80000"/>
             </a:srgbClr>
@@ -3448,7 +3592,7 @@
         </a:effectLst>
         <a:sp3d/>
       </a:spPr>
-      <a:bodyPr rot="0" spcFirstLastPara="1" vertOverflow="overflow" horzOverflow="overflow" vert="horz" wrap="square" lIns="50800" tIns="50800" rIns="50800" bIns="50800" numCol="1" spcCol="38100" rtlCol="0" anchor="ctr" upright="0">
+      <a:bodyPr rot="0" spcFirstLastPara="1" vertOverflow="overflow" horzOverflow="overflow" vert="horz" wrap="square" lIns="50800" tIns="50800" rIns="50800" bIns="50800" numCol="1" spcCol="38100" rtlCol="0" anchor="ctr">
         <a:spAutoFit/>
       </a:bodyPr>
       <a:lstStyle>
@@ -3467,7 +3611,7 @@
           <a:buFontTx/>
           <a:buNone/>
           <a:tabLst/>
-          <a:defRPr b="0" baseline="0" cap="none" i="0" spc="0" strike="noStrike" sz="3200" u="none" kumimoji="0" normalizeH="0">
+          <a:defRPr kumimoji="0" sz="3200" b="0" i="0" u="none" strike="noStrike" cap="none" spc="0" normalizeH="0" baseline="0">
             <a:ln>
               <a:noFill/>
             </a:ln>
@@ -3475,7 +3619,7 @@
               <a:srgbClr val="FFFFFF"/>
             </a:solidFill>
             <a:effectLst>
-              <a:outerShdw sx="100000" sy="100000" kx="0" ky="0" algn="b" rotWithShape="0" blurRad="25400" dist="23998" dir="2700000">
+              <a:outerShdw blurRad="25400" dist="23998" dir="2700000" rotWithShape="0">
                 <a:srgbClr val="000000">
                   <a:alpha val="31034"/>
                 </a:srgbClr>
@@ -3503,7 +3647,7 @@
           <a:buFontTx/>
           <a:buNone/>
           <a:tabLst/>
-          <a:defRPr b="0" baseline="0" cap="none" i="0" spc="0" strike="noStrike" sz="1800" u="none" kumimoji="0" normalizeH="0">
+          <a:defRPr kumimoji="0" sz="1800" b="0" i="0" u="none" strike="noStrike" cap="none" spc="0" normalizeH="0" baseline="0">
             <a:ln>
               <a:noFill/>
             </a:ln>
@@ -3529,7 +3673,7 @@
           <a:buFontTx/>
           <a:buNone/>
           <a:tabLst/>
-          <a:defRPr b="0" baseline="0" cap="none" i="0" spc="0" strike="noStrike" sz="1800" u="none" kumimoji="0" normalizeH="0">
+          <a:defRPr kumimoji="0" sz="1800" b="0" i="0" u="none" strike="noStrike" cap="none" spc="0" normalizeH="0" baseline="0">
             <a:ln>
               <a:noFill/>
             </a:ln>
@@ -3555,7 +3699,7 @@
           <a:buFontTx/>
           <a:buNone/>
           <a:tabLst/>
-          <a:defRPr b="0" baseline="0" cap="none" i="0" spc="0" strike="noStrike" sz="1800" u="none" kumimoji="0" normalizeH="0">
+          <a:defRPr kumimoji="0" sz="1800" b="0" i="0" u="none" strike="noStrike" cap="none" spc="0" normalizeH="0" baseline="0">
             <a:ln>
               <a:noFill/>
             </a:ln>
@@ -3581,7 +3725,7 @@
           <a:buFontTx/>
           <a:buNone/>
           <a:tabLst/>
-          <a:defRPr b="0" baseline="0" cap="none" i="0" spc="0" strike="noStrike" sz="1800" u="none" kumimoji="0" normalizeH="0">
+          <a:defRPr kumimoji="0" sz="1800" b="0" i="0" u="none" strike="noStrike" cap="none" spc="0" normalizeH="0" baseline="0">
             <a:ln>
               <a:noFill/>
             </a:ln>
@@ -3607,7 +3751,7 @@
           <a:buFontTx/>
           <a:buNone/>
           <a:tabLst/>
-          <a:defRPr b="0" baseline="0" cap="none" i="0" spc="0" strike="noStrike" sz="1800" u="none" kumimoji="0" normalizeH="0">
+          <a:defRPr kumimoji="0" sz="1800" b="0" i="0" u="none" strike="noStrike" cap="none" spc="0" normalizeH="0" baseline="0">
             <a:ln>
               <a:noFill/>
             </a:ln>
@@ -3633,7 +3777,7 @@
           <a:buFontTx/>
           <a:buNone/>
           <a:tabLst/>
-          <a:defRPr b="0" baseline="0" cap="none" i="0" spc="0" strike="noStrike" sz="1800" u="none" kumimoji="0" normalizeH="0">
+          <a:defRPr kumimoji="0" sz="1800" b="0" i="0" u="none" strike="noStrike" cap="none" spc="0" normalizeH="0" baseline="0">
             <a:ln>
               <a:noFill/>
             </a:ln>
@@ -3659,7 +3803,7 @@
           <a:buFontTx/>
           <a:buNone/>
           <a:tabLst/>
-          <a:defRPr b="0" baseline="0" cap="none" i="0" spc="0" strike="noStrike" sz="1800" u="none" kumimoji="0" normalizeH="0">
+          <a:defRPr kumimoji="0" sz="1800" b="0" i="0" u="none" strike="noStrike" cap="none" spc="0" normalizeH="0" baseline="0">
             <a:ln>
               <a:noFill/>
             </a:ln>
@@ -3685,7 +3829,7 @@
           <a:buFontTx/>
           <a:buNone/>
           <a:tabLst/>
-          <a:defRPr b="0" baseline="0" cap="none" i="0" spc="0" strike="noStrike" sz="1800" u="none" kumimoji="0" normalizeH="0">
+          <a:defRPr kumimoji="0" sz="1800" b="0" i="0" u="none" strike="noStrike" cap="none" spc="0" normalizeH="0" baseline="0">
             <a:ln>
               <a:noFill/>
             </a:ln>
@@ -3711,7 +3855,7 @@
           <a:buFontTx/>
           <a:buNone/>
           <a:tabLst/>
-          <a:defRPr b="0" baseline="0" cap="none" i="0" spc="0" strike="noStrike" sz="1800" u="none" kumimoji="0" normalizeH="0">
+          <a:defRPr kumimoji="0" sz="1800" b="0" i="0" u="none" strike="noStrike" cap="none" spc="0" normalizeH="0" baseline="0">
             <a:ln>
               <a:noFill/>
             </a:ln>
@@ -3724,9 +3868,15 @@
         </a:lvl9pPr>
       </a:lstStyle>
       <a:style>
-        <a:lnRef idx="0"/>
-        <a:fillRef idx="0"/>
-        <a:effectRef idx="0"/>
+        <a:lnRef idx="0">
+          <a:scrgbClr r="0" g="0" b="0"/>
+        </a:lnRef>
+        <a:fillRef idx="0">
+          <a:scrgbClr r="0" g="0" b="0"/>
+        </a:fillRef>
+        <a:effectRef idx="0">
+          <a:scrgbClr r="0" g="0" b="0"/>
+        </a:effectRef>
         <a:fontRef idx="none"/>
       </a:style>
     </a:spDef>
@@ -3743,7 +3893,7 @@
         <a:effectLst/>
         <a:sp3d/>
       </a:spPr>
-      <a:bodyPr rot="0" spcFirstLastPara="1" vertOverflow="overflow" horzOverflow="overflow" vert="horz" wrap="square" lIns="91439" tIns="45719" rIns="91439" bIns="45719" numCol="1" spcCol="38100" rtlCol="0" anchor="t" upright="0">
+      <a:bodyPr rot="0" spcFirstLastPara="1" vertOverflow="overflow" horzOverflow="overflow" vert="horz" wrap="square" lIns="91439" tIns="45719" rIns="91439" bIns="45719" numCol="1" spcCol="38100" rtlCol="0" anchor="t">
         <a:noAutofit/>
       </a:bodyPr>
       <a:lstStyle>
@@ -3762,7 +3912,7 @@
           <a:buFontTx/>
           <a:buNone/>
           <a:tabLst/>
-          <a:defRPr b="0" baseline="0" cap="none" i="0" spc="0" strike="noStrike" sz="1800" u="none" kumimoji="0" normalizeH="0">
+          <a:defRPr kumimoji="0" sz="1800" b="0" i="0" u="none" strike="noStrike" cap="none" spc="0" normalizeH="0" baseline="0">
             <a:ln>
               <a:noFill/>
             </a:ln>
@@ -3788,7 +3938,7 @@
           <a:buFontTx/>
           <a:buNone/>
           <a:tabLst/>
-          <a:defRPr b="0" baseline="0" cap="none" i="0" spc="0" strike="noStrike" sz="1800" u="none" kumimoji="0" normalizeH="0">
+          <a:defRPr kumimoji="0" sz="1800" b="0" i="0" u="none" strike="noStrike" cap="none" spc="0" normalizeH="0" baseline="0">
             <a:ln>
               <a:noFill/>
             </a:ln>
@@ -3814,7 +3964,7 @@
           <a:buFontTx/>
           <a:buNone/>
           <a:tabLst/>
-          <a:defRPr b="0" baseline="0" cap="none" i="0" spc="0" strike="noStrike" sz="1800" u="none" kumimoji="0" normalizeH="0">
+          <a:defRPr kumimoji="0" sz="1800" b="0" i="0" u="none" strike="noStrike" cap="none" spc="0" normalizeH="0" baseline="0">
             <a:ln>
               <a:noFill/>
             </a:ln>
@@ -3840,7 +3990,7 @@
           <a:buFontTx/>
           <a:buNone/>
           <a:tabLst/>
-          <a:defRPr b="0" baseline="0" cap="none" i="0" spc="0" strike="noStrike" sz="1800" u="none" kumimoji="0" normalizeH="0">
+          <a:defRPr kumimoji="0" sz="1800" b="0" i="0" u="none" strike="noStrike" cap="none" spc="0" normalizeH="0" baseline="0">
             <a:ln>
               <a:noFill/>
             </a:ln>
@@ -3866,7 +4016,7 @@
           <a:buFontTx/>
           <a:buNone/>
           <a:tabLst/>
-          <a:defRPr b="0" baseline="0" cap="none" i="0" spc="0" strike="noStrike" sz="1800" u="none" kumimoji="0" normalizeH="0">
+          <a:defRPr kumimoji="0" sz="1800" b="0" i="0" u="none" strike="noStrike" cap="none" spc="0" normalizeH="0" baseline="0">
             <a:ln>
               <a:noFill/>
             </a:ln>
@@ -3892,7 +4042,7 @@
           <a:buFontTx/>
           <a:buNone/>
           <a:tabLst/>
-          <a:defRPr b="0" baseline="0" cap="none" i="0" spc="0" strike="noStrike" sz="1800" u="none" kumimoji="0" normalizeH="0">
+          <a:defRPr kumimoji="0" sz="1800" b="0" i="0" u="none" strike="noStrike" cap="none" spc="0" normalizeH="0" baseline="0">
             <a:ln>
               <a:noFill/>
             </a:ln>
@@ -3918,7 +4068,7 @@
           <a:buFontTx/>
           <a:buNone/>
           <a:tabLst/>
-          <a:defRPr b="0" baseline="0" cap="none" i="0" spc="0" strike="noStrike" sz="1800" u="none" kumimoji="0" normalizeH="0">
+          <a:defRPr kumimoji="0" sz="1800" b="0" i="0" u="none" strike="noStrike" cap="none" spc="0" normalizeH="0" baseline="0">
             <a:ln>
               <a:noFill/>
             </a:ln>
@@ -3944,7 +4094,7 @@
           <a:buFontTx/>
           <a:buNone/>
           <a:tabLst/>
-          <a:defRPr b="0" baseline="0" cap="none" i="0" spc="0" strike="noStrike" sz="1800" u="none" kumimoji="0" normalizeH="0">
+          <a:defRPr kumimoji="0" sz="1800" b="0" i="0" u="none" strike="noStrike" cap="none" spc="0" normalizeH="0" baseline="0">
             <a:ln>
               <a:noFill/>
             </a:ln>
@@ -3970,7 +4120,7 @@
           <a:buFontTx/>
           <a:buNone/>
           <a:tabLst/>
-          <a:defRPr b="0" baseline="0" cap="none" i="0" spc="0" strike="noStrike" sz="1800" u="none" kumimoji="0" normalizeH="0">
+          <a:defRPr kumimoji="0" sz="1800" b="0" i="0" u="none" strike="noStrike" cap="none" spc="0" normalizeH="0" baseline="0">
             <a:ln>
               <a:noFill/>
             </a:ln>
@@ -3996,7 +4146,7 @@
           <a:buFontTx/>
           <a:buNone/>
           <a:tabLst/>
-          <a:defRPr b="0" baseline="0" cap="none" i="0" spc="0" strike="noStrike" sz="1800" u="none" kumimoji="0" normalizeH="0">
+          <a:defRPr kumimoji="0" sz="1800" b="0" i="0" u="none" strike="noStrike" cap="none" spc="0" normalizeH="0" baseline="0">
             <a:ln>
               <a:noFill/>
             </a:ln>
@@ -4009,9 +4159,15 @@
         </a:lvl9pPr>
       </a:lstStyle>
       <a:style>
-        <a:lnRef idx="0"/>
-        <a:fillRef idx="0"/>
-        <a:effectRef idx="0"/>
+        <a:lnRef idx="0">
+          <a:scrgbClr r="0" g="0" b="0"/>
+        </a:lnRef>
+        <a:fillRef idx="0">
+          <a:scrgbClr r="0" g="0" b="0"/>
+        </a:fillRef>
+        <a:effectRef idx="0">
+          <a:scrgbClr r="0" g="0" b="0"/>
+        </a:effectRef>
         <a:fontRef idx="none"/>
       </a:style>
     </a:lnDef>
@@ -4025,7 +4181,7 @@
         <a:effectLst/>
         <a:sp3d/>
       </a:spPr>
-      <a:bodyPr rot="0" spcFirstLastPara="1" vertOverflow="overflow" horzOverflow="overflow" vert="horz" wrap="square" lIns="50800" tIns="50800" rIns="50800" bIns="50800" numCol="1" spcCol="38100" rtlCol="0" anchor="ctr" upright="0">
+      <a:bodyPr rot="0" spcFirstLastPara="1" vertOverflow="overflow" horzOverflow="overflow" vert="horz" wrap="square" lIns="50800" tIns="50800" rIns="50800" bIns="50800" numCol="1" spcCol="38100" rtlCol="0" anchor="ctr">
         <a:spAutoFit/>
       </a:bodyPr>
       <a:lstStyle>
@@ -4044,7 +4200,7 @@
           <a:buFontTx/>
           <a:buNone/>
           <a:tabLst/>
-          <a:defRPr b="0" baseline="0" cap="none" i="0" spc="0" strike="noStrike" sz="5200" u="none" kumimoji="0" normalizeH="0">
+          <a:defRPr kumimoji="0" sz="5200" b="0" i="0" u="none" strike="noStrike" cap="none" spc="0" normalizeH="0" baseline="0">
             <a:ln>
               <a:noFill/>
             </a:ln>
@@ -4074,7 +4230,7 @@
           <a:buFontTx/>
           <a:buNone/>
           <a:tabLst/>
-          <a:defRPr b="0" baseline="0" cap="none" i="0" spc="0" strike="noStrike" sz="1800" u="none" kumimoji="0" normalizeH="0">
+          <a:defRPr kumimoji="0" sz="1800" b="0" i="0" u="none" strike="noStrike" cap="none" spc="0" normalizeH="0" baseline="0">
             <a:ln>
               <a:noFill/>
             </a:ln>
@@ -4100,7 +4256,7 @@
           <a:buFontTx/>
           <a:buNone/>
           <a:tabLst/>
-          <a:defRPr b="0" baseline="0" cap="none" i="0" spc="0" strike="noStrike" sz="1800" u="none" kumimoji="0" normalizeH="0">
+          <a:defRPr kumimoji="0" sz="1800" b="0" i="0" u="none" strike="noStrike" cap="none" spc="0" normalizeH="0" baseline="0">
             <a:ln>
               <a:noFill/>
             </a:ln>
@@ -4126,7 +4282,7 @@
           <a:buFontTx/>
           <a:buNone/>
           <a:tabLst/>
-          <a:defRPr b="0" baseline="0" cap="none" i="0" spc="0" strike="noStrike" sz="1800" u="none" kumimoji="0" normalizeH="0">
+          <a:defRPr kumimoji="0" sz="1800" b="0" i="0" u="none" strike="noStrike" cap="none" spc="0" normalizeH="0" baseline="0">
             <a:ln>
               <a:noFill/>
             </a:ln>
@@ -4152,7 +4308,7 @@
           <a:buFontTx/>
           <a:buNone/>
           <a:tabLst/>
-          <a:defRPr b="0" baseline="0" cap="none" i="0" spc="0" strike="noStrike" sz="1800" u="none" kumimoji="0" normalizeH="0">
+          <a:defRPr kumimoji="0" sz="1800" b="0" i="0" u="none" strike="noStrike" cap="none" spc="0" normalizeH="0" baseline="0">
             <a:ln>
               <a:noFill/>
             </a:ln>
@@ -4178,7 +4334,7 @@
           <a:buFontTx/>
           <a:buNone/>
           <a:tabLst/>
-          <a:defRPr b="0" baseline="0" cap="none" i="0" spc="0" strike="noStrike" sz="1800" u="none" kumimoji="0" normalizeH="0">
+          <a:defRPr kumimoji="0" sz="1800" b="0" i="0" u="none" strike="noStrike" cap="none" spc="0" normalizeH="0" baseline="0">
             <a:ln>
               <a:noFill/>
             </a:ln>
@@ -4204,7 +4360,7 @@
           <a:buFontTx/>
           <a:buNone/>
           <a:tabLst/>
-          <a:defRPr b="0" baseline="0" cap="none" i="0" spc="0" strike="noStrike" sz="1800" u="none" kumimoji="0" normalizeH="0">
+          <a:defRPr kumimoji="0" sz="1800" b="0" i="0" u="none" strike="noStrike" cap="none" spc="0" normalizeH="0" baseline="0">
             <a:ln>
               <a:noFill/>
             </a:ln>
@@ -4230,7 +4386,7 @@
           <a:buFontTx/>
           <a:buNone/>
           <a:tabLst/>
-          <a:defRPr b="0" baseline="0" cap="none" i="0" spc="0" strike="noStrike" sz="1800" u="none" kumimoji="0" normalizeH="0">
+          <a:defRPr kumimoji="0" sz="1800" b="0" i="0" u="none" strike="noStrike" cap="none" spc="0" normalizeH="0" baseline="0">
             <a:ln>
               <a:noFill/>
             </a:ln>
@@ -4256,7 +4412,7 @@
           <a:buFontTx/>
           <a:buNone/>
           <a:tabLst/>
-          <a:defRPr b="0" baseline="0" cap="none" i="0" spc="0" strike="noStrike" sz="1800" u="none" kumimoji="0" normalizeH="0">
+          <a:defRPr kumimoji="0" sz="1800" b="0" i="0" u="none" strike="noStrike" cap="none" spc="0" normalizeH="0" baseline="0">
             <a:ln>
               <a:noFill/>
             </a:ln>
@@ -4282,7 +4438,7 @@
           <a:buFontTx/>
           <a:buNone/>
           <a:tabLst/>
-          <a:defRPr b="0" baseline="0" cap="none" i="0" spc="0" strike="noStrike" sz="1800" u="none" kumimoji="0" normalizeH="0">
+          <a:defRPr kumimoji="0" sz="1800" b="0" i="0" u="none" strike="noStrike" cap="none" spc="0" normalizeH="0" baseline="0">
             <a:ln>
               <a:noFill/>
             </a:ln>
@@ -4295,18 +4451,25 @@
         </a:lvl9pPr>
       </a:lstStyle>
       <a:style>
-        <a:lnRef idx="0"/>
-        <a:fillRef idx="0"/>
-        <a:effectRef idx="0"/>
+        <a:lnRef idx="0">
+          <a:scrgbClr r="0" g="0" b="0"/>
+        </a:lnRef>
+        <a:fillRef idx="0">
+          <a:scrgbClr r="0" g="0" b="0"/>
+        </a:fillRef>
+        <a:effectRef idx="0">
+          <a:scrgbClr r="0" g="0" b="0"/>
+        </a:effectRef>
         <a:fontRef idx="none"/>
       </a:style>
     </a:txDef>
   </a:objectDefaults>
+  <a:extraClrSchemeLst/>
 </a:theme>
 </file>
 
 <file path=ppt/theme/theme2.xml><?xml version="1.0" encoding="utf-8"?>
-<a:theme xmlns:a="http://schemas.openxmlformats.org/drawingml/2006/main" xmlns:r="http://schemas.openxmlformats.org/officeDocument/2006/relationships" name="Gradient">
+<a:theme xmlns:a="http://schemas.openxmlformats.org/drawingml/2006/main" name="Gradient">
   <a:themeElements>
     <a:clrScheme name="Gradient">
       <a:dk1>
@@ -4432,7 +4595,7 @@
       <a:effectStyleLst>
         <a:effectStyle>
           <a:effectLst>
-            <a:outerShdw sx="100000" sy="100000" kx="0" ky="0" algn="b" rotWithShape="0" blurRad="76200" dist="0" dir="18900000">
+            <a:outerShdw blurRad="76200" dir="18900000" rotWithShape="0">
               <a:srgbClr val="000000">
                 <a:alpha val="80000"/>
               </a:srgbClr>
@@ -4441,7 +4604,7 @@
         </a:effectStyle>
         <a:effectStyle>
           <a:effectLst>
-            <a:outerShdw sx="100000" sy="100000" kx="0" ky="0" algn="b" rotWithShape="0" blurRad="76200" dist="0" dir="18900000">
+            <a:outerShdw blurRad="76200" dir="18900000" rotWithShape="0">
               <a:srgbClr val="000000">
                 <a:alpha val="80000"/>
               </a:srgbClr>
@@ -4450,7 +4613,7 @@
         </a:effectStyle>
         <a:effectStyle>
           <a:effectLst>
-            <a:outerShdw sx="100000" sy="100000" kx="0" ky="0" algn="b" rotWithShape="0" blurRad="76200" dist="0" dir="18900000">
+            <a:outerShdw blurRad="76200" dir="18900000" rotWithShape="0">
               <a:srgbClr val="000000">
                 <a:alpha val="80000"/>
               </a:srgbClr>
@@ -4533,7 +4696,7 @@
           <a:miter lim="400000"/>
         </a:ln>
         <a:effectLst>
-          <a:outerShdw sx="100000" sy="100000" kx="0" ky="0" algn="b" rotWithShape="0" blurRad="76200" dist="0" dir="18900000">
+          <a:outerShdw blurRad="76200" dir="18900000" rotWithShape="0">
             <a:srgbClr val="000000">
               <a:alpha val="80000"/>
             </a:srgbClr>
@@ -4541,7 +4704,7 @@
         </a:effectLst>
         <a:sp3d/>
       </a:spPr>
-      <a:bodyPr rot="0" spcFirstLastPara="1" vertOverflow="overflow" horzOverflow="overflow" vert="horz" wrap="square" lIns="50800" tIns="50800" rIns="50800" bIns="50800" numCol="1" spcCol="38100" rtlCol="0" anchor="ctr" upright="0">
+      <a:bodyPr rot="0" spcFirstLastPara="1" vertOverflow="overflow" horzOverflow="overflow" vert="horz" wrap="square" lIns="50800" tIns="50800" rIns="50800" bIns="50800" numCol="1" spcCol="38100" rtlCol="0" anchor="ctr">
         <a:spAutoFit/>
       </a:bodyPr>
       <a:lstStyle>
@@ -4560,7 +4723,7 @@
           <a:buFontTx/>
           <a:buNone/>
           <a:tabLst/>
-          <a:defRPr b="0" baseline="0" cap="none" i="0" spc="0" strike="noStrike" sz="3200" u="none" kumimoji="0" normalizeH="0">
+          <a:defRPr kumimoji="0" sz="3200" b="0" i="0" u="none" strike="noStrike" cap="none" spc="0" normalizeH="0" baseline="0">
             <a:ln>
               <a:noFill/>
             </a:ln>
@@ -4568,7 +4731,7 @@
               <a:srgbClr val="FFFFFF"/>
             </a:solidFill>
             <a:effectLst>
-              <a:outerShdw sx="100000" sy="100000" kx="0" ky="0" algn="b" rotWithShape="0" blurRad="25400" dist="23998" dir="2700000">
+              <a:outerShdw blurRad="25400" dist="23998" dir="2700000" rotWithShape="0">
                 <a:srgbClr val="000000">
                   <a:alpha val="31034"/>
                 </a:srgbClr>
@@ -4596,7 +4759,7 @@
           <a:buFontTx/>
           <a:buNone/>
           <a:tabLst/>
-          <a:defRPr b="0" baseline="0" cap="none" i="0" spc="0" strike="noStrike" sz="1800" u="none" kumimoji="0" normalizeH="0">
+          <a:defRPr kumimoji="0" sz="1800" b="0" i="0" u="none" strike="noStrike" cap="none" spc="0" normalizeH="0" baseline="0">
             <a:ln>
               <a:noFill/>
             </a:ln>
@@ -4622,7 +4785,7 @@
           <a:buFontTx/>
           <a:buNone/>
           <a:tabLst/>
-          <a:defRPr b="0" baseline="0" cap="none" i="0" spc="0" strike="noStrike" sz="1800" u="none" kumimoji="0" normalizeH="0">
+          <a:defRPr kumimoji="0" sz="1800" b="0" i="0" u="none" strike="noStrike" cap="none" spc="0" normalizeH="0" baseline="0">
             <a:ln>
               <a:noFill/>
             </a:ln>
@@ -4648,7 +4811,7 @@
           <a:buFontTx/>
           <a:buNone/>
           <a:tabLst/>
-          <a:defRPr b="0" baseline="0" cap="none" i="0" spc="0" strike="noStrike" sz="1800" u="none" kumimoji="0" normalizeH="0">
+          <a:defRPr kumimoji="0" sz="1800" b="0" i="0" u="none" strike="noStrike" cap="none" spc="0" normalizeH="0" baseline="0">
             <a:ln>
               <a:noFill/>
             </a:ln>
@@ -4674,7 +4837,7 @@
           <a:buFontTx/>
           <a:buNone/>
           <a:tabLst/>
-          <a:defRPr b="0" baseline="0" cap="none" i="0" spc="0" strike="noStrike" sz="1800" u="none" kumimoji="0" normalizeH="0">
+          <a:defRPr kumimoji="0" sz="1800" b="0" i="0" u="none" strike="noStrike" cap="none" spc="0" normalizeH="0" baseline="0">
             <a:ln>
               <a:noFill/>
             </a:ln>
@@ -4700,7 +4863,7 @@
           <a:buFontTx/>
           <a:buNone/>
           <a:tabLst/>
-          <a:defRPr b="0" baseline="0" cap="none" i="0" spc="0" strike="noStrike" sz="1800" u="none" kumimoji="0" normalizeH="0">
+          <a:defRPr kumimoji="0" sz="1800" b="0" i="0" u="none" strike="noStrike" cap="none" spc="0" normalizeH="0" baseline="0">
             <a:ln>
               <a:noFill/>
             </a:ln>
@@ -4726,7 +4889,7 @@
           <a:buFontTx/>
           <a:buNone/>
           <a:tabLst/>
-          <a:defRPr b="0" baseline="0" cap="none" i="0" spc="0" strike="noStrike" sz="1800" u="none" kumimoji="0" normalizeH="0">
+          <a:defRPr kumimoji="0" sz="1800" b="0" i="0" u="none" strike="noStrike" cap="none" spc="0" normalizeH="0" baseline="0">
             <a:ln>
               <a:noFill/>
             </a:ln>
@@ -4752,7 +4915,7 @@
           <a:buFontTx/>
           <a:buNone/>
           <a:tabLst/>
-          <a:defRPr b="0" baseline="0" cap="none" i="0" spc="0" strike="noStrike" sz="1800" u="none" kumimoji="0" normalizeH="0">
+          <a:defRPr kumimoji="0" sz="1800" b="0" i="0" u="none" strike="noStrike" cap="none" spc="0" normalizeH="0" baseline="0">
             <a:ln>
               <a:noFill/>
             </a:ln>
@@ -4778,7 +4941,7 @@
           <a:buFontTx/>
           <a:buNone/>
           <a:tabLst/>
-          <a:defRPr b="0" baseline="0" cap="none" i="0" spc="0" strike="noStrike" sz="1800" u="none" kumimoji="0" normalizeH="0">
+          <a:defRPr kumimoji="0" sz="1800" b="0" i="0" u="none" strike="noStrike" cap="none" spc="0" normalizeH="0" baseline="0">
             <a:ln>
               <a:noFill/>
             </a:ln>
@@ -4804,7 +4967,7 @@
           <a:buFontTx/>
           <a:buNone/>
           <a:tabLst/>
-          <a:defRPr b="0" baseline="0" cap="none" i="0" spc="0" strike="noStrike" sz="1800" u="none" kumimoji="0" normalizeH="0">
+          <a:defRPr kumimoji="0" sz="1800" b="0" i="0" u="none" strike="noStrike" cap="none" spc="0" normalizeH="0" baseline="0">
             <a:ln>
               <a:noFill/>
             </a:ln>
@@ -4817,9 +4980,15 @@
         </a:lvl9pPr>
       </a:lstStyle>
       <a:style>
-        <a:lnRef idx="0"/>
-        <a:fillRef idx="0"/>
-        <a:effectRef idx="0"/>
+        <a:lnRef idx="0">
+          <a:scrgbClr r="0" g="0" b="0"/>
+        </a:lnRef>
+        <a:fillRef idx="0">
+          <a:scrgbClr r="0" g="0" b="0"/>
+        </a:fillRef>
+        <a:effectRef idx="0">
+          <a:scrgbClr r="0" g="0" b="0"/>
+        </a:effectRef>
         <a:fontRef idx="none"/>
       </a:style>
     </a:spDef>
@@ -4836,7 +5005,7 @@
         <a:effectLst/>
         <a:sp3d/>
       </a:spPr>
-      <a:bodyPr rot="0" spcFirstLastPara="1" vertOverflow="overflow" horzOverflow="overflow" vert="horz" wrap="square" lIns="91439" tIns="45719" rIns="91439" bIns="45719" numCol="1" spcCol="38100" rtlCol="0" anchor="t" upright="0">
+      <a:bodyPr rot="0" spcFirstLastPara="1" vertOverflow="overflow" horzOverflow="overflow" vert="horz" wrap="square" lIns="91439" tIns="45719" rIns="91439" bIns="45719" numCol="1" spcCol="38100" rtlCol="0" anchor="t">
         <a:noAutofit/>
       </a:bodyPr>
       <a:lstStyle>
@@ -4855,7 +5024,7 @@
           <a:buFontTx/>
           <a:buNone/>
           <a:tabLst/>
-          <a:defRPr b="0" baseline="0" cap="none" i="0" spc="0" strike="noStrike" sz="1800" u="none" kumimoji="0" normalizeH="0">
+          <a:defRPr kumimoji="0" sz="1800" b="0" i="0" u="none" strike="noStrike" cap="none" spc="0" normalizeH="0" baseline="0">
             <a:ln>
               <a:noFill/>
             </a:ln>
@@ -4881,7 +5050,7 @@
           <a:buFontTx/>
           <a:buNone/>
           <a:tabLst/>
-          <a:defRPr b="0" baseline="0" cap="none" i="0" spc="0" strike="noStrike" sz="1800" u="none" kumimoji="0" normalizeH="0">
+          <a:defRPr kumimoji="0" sz="1800" b="0" i="0" u="none" strike="noStrike" cap="none" spc="0" normalizeH="0" baseline="0">
             <a:ln>
               <a:noFill/>
             </a:ln>
@@ -4907,7 +5076,7 @@
           <a:buFontTx/>
           <a:buNone/>
           <a:tabLst/>
-          <a:defRPr b="0" baseline="0" cap="none" i="0" spc="0" strike="noStrike" sz="1800" u="none" kumimoji="0" normalizeH="0">
+          <a:defRPr kumimoji="0" sz="1800" b="0" i="0" u="none" strike="noStrike" cap="none" spc="0" normalizeH="0" baseline="0">
             <a:ln>
               <a:noFill/>
             </a:ln>
@@ -4933,7 +5102,7 @@
           <a:buFontTx/>
           <a:buNone/>
           <a:tabLst/>
-          <a:defRPr b="0" baseline="0" cap="none" i="0" spc="0" strike="noStrike" sz="1800" u="none" kumimoji="0" normalizeH="0">
+          <a:defRPr kumimoji="0" sz="1800" b="0" i="0" u="none" strike="noStrike" cap="none" spc="0" normalizeH="0" baseline="0">
             <a:ln>
               <a:noFill/>
             </a:ln>
@@ -4959,7 +5128,7 @@
           <a:buFontTx/>
           <a:buNone/>
           <a:tabLst/>
-          <a:defRPr b="0" baseline="0" cap="none" i="0" spc="0" strike="noStrike" sz="1800" u="none" kumimoji="0" normalizeH="0">
+          <a:defRPr kumimoji="0" sz="1800" b="0" i="0" u="none" strike="noStrike" cap="none" spc="0" normalizeH="0" baseline="0">
             <a:ln>
               <a:noFill/>
             </a:ln>
@@ -4985,7 +5154,7 @@
           <a:buFontTx/>
           <a:buNone/>
           <a:tabLst/>
-          <a:defRPr b="0" baseline="0" cap="none" i="0" spc="0" strike="noStrike" sz="1800" u="none" kumimoji="0" normalizeH="0">
+          <a:defRPr kumimoji="0" sz="1800" b="0" i="0" u="none" strike="noStrike" cap="none" spc="0" normalizeH="0" baseline="0">
             <a:ln>
               <a:noFill/>
             </a:ln>
@@ -5011,7 +5180,7 @@
           <a:buFontTx/>
           <a:buNone/>
           <a:tabLst/>
-          <a:defRPr b="0" baseline="0" cap="none" i="0" spc="0" strike="noStrike" sz="1800" u="none" kumimoji="0" normalizeH="0">
+          <a:defRPr kumimoji="0" sz="1800" b="0" i="0" u="none" strike="noStrike" cap="none" spc="0" normalizeH="0" baseline="0">
             <a:ln>
               <a:noFill/>
             </a:ln>
@@ -5037,7 +5206,7 @@
           <a:buFontTx/>
           <a:buNone/>
           <a:tabLst/>
-          <a:defRPr b="0" baseline="0" cap="none" i="0" spc="0" strike="noStrike" sz="1800" u="none" kumimoji="0" normalizeH="0">
+          <a:defRPr kumimoji="0" sz="1800" b="0" i="0" u="none" strike="noStrike" cap="none" spc="0" normalizeH="0" baseline="0">
             <a:ln>
               <a:noFill/>
             </a:ln>
@@ -5063,7 +5232,7 @@
           <a:buFontTx/>
           <a:buNone/>
           <a:tabLst/>
-          <a:defRPr b="0" baseline="0" cap="none" i="0" spc="0" strike="noStrike" sz="1800" u="none" kumimoji="0" normalizeH="0">
+          <a:defRPr kumimoji="0" sz="1800" b="0" i="0" u="none" strike="noStrike" cap="none" spc="0" normalizeH="0" baseline="0">
             <a:ln>
               <a:noFill/>
             </a:ln>
@@ -5089,7 +5258,7 @@
           <a:buFontTx/>
           <a:buNone/>
           <a:tabLst/>
-          <a:defRPr b="0" baseline="0" cap="none" i="0" spc="0" strike="noStrike" sz="1800" u="none" kumimoji="0" normalizeH="0">
+          <a:defRPr kumimoji="0" sz="1800" b="0" i="0" u="none" strike="noStrike" cap="none" spc="0" normalizeH="0" baseline="0">
             <a:ln>
               <a:noFill/>
             </a:ln>
@@ -5102,9 +5271,15 @@
         </a:lvl9pPr>
       </a:lstStyle>
       <a:style>
-        <a:lnRef idx="0"/>
-        <a:fillRef idx="0"/>
-        <a:effectRef idx="0"/>
+        <a:lnRef idx="0">
+          <a:scrgbClr r="0" g="0" b="0"/>
+        </a:lnRef>
+        <a:fillRef idx="0">
+          <a:scrgbClr r="0" g="0" b="0"/>
+        </a:fillRef>
+        <a:effectRef idx="0">
+          <a:scrgbClr r="0" g="0" b="0"/>
+        </a:effectRef>
         <a:fontRef idx="none"/>
       </a:style>
     </a:lnDef>
@@ -5118,7 +5293,7 @@
         <a:effectLst/>
         <a:sp3d/>
       </a:spPr>
-      <a:bodyPr rot="0" spcFirstLastPara="1" vertOverflow="overflow" horzOverflow="overflow" vert="horz" wrap="square" lIns="50800" tIns="50800" rIns="50800" bIns="50800" numCol="1" spcCol="38100" rtlCol="0" anchor="ctr" upright="0">
+      <a:bodyPr rot="0" spcFirstLastPara="1" vertOverflow="overflow" horzOverflow="overflow" vert="horz" wrap="square" lIns="50800" tIns="50800" rIns="50800" bIns="50800" numCol="1" spcCol="38100" rtlCol="0" anchor="ctr">
         <a:spAutoFit/>
       </a:bodyPr>
       <a:lstStyle>
@@ -5137,7 +5312,7 @@
           <a:buFontTx/>
           <a:buNone/>
           <a:tabLst/>
-          <a:defRPr b="0" baseline="0" cap="none" i="0" spc="0" strike="noStrike" sz="5200" u="none" kumimoji="0" normalizeH="0">
+          <a:defRPr kumimoji="0" sz="5200" b="0" i="0" u="none" strike="noStrike" cap="none" spc="0" normalizeH="0" baseline="0">
             <a:ln>
               <a:noFill/>
             </a:ln>
@@ -5167,7 +5342,7 @@
           <a:buFontTx/>
           <a:buNone/>
           <a:tabLst/>
-          <a:defRPr b="0" baseline="0" cap="none" i="0" spc="0" strike="noStrike" sz="1800" u="none" kumimoji="0" normalizeH="0">
+          <a:defRPr kumimoji="0" sz="1800" b="0" i="0" u="none" strike="noStrike" cap="none" spc="0" normalizeH="0" baseline="0">
             <a:ln>
               <a:noFill/>
             </a:ln>
@@ -5193,7 +5368,7 @@
           <a:buFontTx/>
           <a:buNone/>
           <a:tabLst/>
-          <a:defRPr b="0" baseline="0" cap="none" i="0" spc="0" strike="noStrike" sz="1800" u="none" kumimoji="0" normalizeH="0">
+          <a:defRPr kumimoji="0" sz="1800" b="0" i="0" u="none" strike="noStrike" cap="none" spc="0" normalizeH="0" baseline="0">
             <a:ln>
               <a:noFill/>
             </a:ln>
@@ -5219,7 +5394,7 @@
           <a:buFontTx/>
           <a:buNone/>
           <a:tabLst/>
-          <a:defRPr b="0" baseline="0" cap="none" i="0" spc="0" strike="noStrike" sz="1800" u="none" kumimoji="0" normalizeH="0">
+          <a:defRPr kumimoji="0" sz="1800" b="0" i="0" u="none" strike="noStrike" cap="none" spc="0" normalizeH="0" baseline="0">
             <a:ln>
               <a:noFill/>
             </a:ln>
@@ -5245,7 +5420,7 @@
           <a:buFontTx/>
           <a:buNone/>
           <a:tabLst/>
-          <a:defRPr b="0" baseline="0" cap="none" i="0" spc="0" strike="noStrike" sz="1800" u="none" kumimoji="0" normalizeH="0">
+          <a:defRPr kumimoji="0" sz="1800" b="0" i="0" u="none" strike="noStrike" cap="none" spc="0" normalizeH="0" baseline="0">
             <a:ln>
               <a:noFill/>
             </a:ln>
@@ -5271,7 +5446,7 @@
           <a:buFontTx/>
           <a:buNone/>
           <a:tabLst/>
-          <a:defRPr b="0" baseline="0" cap="none" i="0" spc="0" strike="noStrike" sz="1800" u="none" kumimoji="0" normalizeH="0">
+          <a:defRPr kumimoji="0" sz="1800" b="0" i="0" u="none" strike="noStrike" cap="none" spc="0" normalizeH="0" baseline="0">
             <a:ln>
               <a:noFill/>
             </a:ln>
@@ -5297,7 +5472,7 @@
           <a:buFontTx/>
           <a:buNone/>
           <a:tabLst/>
-          <a:defRPr b="0" baseline="0" cap="none" i="0" spc="0" strike="noStrike" sz="1800" u="none" kumimoji="0" normalizeH="0">
+          <a:defRPr kumimoji="0" sz="1800" b="0" i="0" u="none" strike="noStrike" cap="none" spc="0" normalizeH="0" baseline="0">
             <a:ln>
               <a:noFill/>
             </a:ln>
@@ -5323,7 +5498,7 @@
           <a:buFontTx/>
           <a:buNone/>
           <a:tabLst/>
-          <a:defRPr b="0" baseline="0" cap="none" i="0" spc="0" strike="noStrike" sz="1800" u="none" kumimoji="0" normalizeH="0">
+          <a:defRPr kumimoji="0" sz="1800" b="0" i="0" u="none" strike="noStrike" cap="none" spc="0" normalizeH="0" baseline="0">
             <a:ln>
               <a:noFill/>
             </a:ln>
@@ -5349,7 +5524,7 @@
           <a:buFontTx/>
           <a:buNone/>
           <a:tabLst/>
-          <a:defRPr b="0" baseline="0" cap="none" i="0" spc="0" strike="noStrike" sz="1800" u="none" kumimoji="0" normalizeH="0">
+          <a:defRPr kumimoji="0" sz="1800" b="0" i="0" u="none" strike="noStrike" cap="none" spc="0" normalizeH="0" baseline="0">
             <a:ln>
               <a:noFill/>
             </a:ln>
@@ -5375,7 +5550,7 @@
           <a:buFontTx/>
           <a:buNone/>
           <a:tabLst/>
-          <a:defRPr b="0" baseline="0" cap="none" i="0" spc="0" strike="noStrike" sz="1800" u="none" kumimoji="0" normalizeH="0">
+          <a:defRPr kumimoji="0" sz="1800" b="0" i="0" u="none" strike="noStrike" cap="none" spc="0" normalizeH="0" baseline="0">
             <a:ln>
               <a:noFill/>
             </a:ln>
@@ -5388,12 +5563,19 @@
         </a:lvl9pPr>
       </a:lstStyle>
       <a:style>
-        <a:lnRef idx="0"/>
-        <a:fillRef idx="0"/>
-        <a:effectRef idx="0"/>
+        <a:lnRef idx="0">
+          <a:scrgbClr r="0" g="0" b="0"/>
+        </a:lnRef>
+        <a:fillRef idx="0">
+          <a:scrgbClr r="0" g="0" b="0"/>
+        </a:fillRef>
+        <a:effectRef idx="0">
+          <a:scrgbClr r="0" g="0" b="0"/>
+        </a:effectRef>
         <a:fontRef idx="none"/>
       </a:style>
     </a:txDef>
   </a:objectDefaults>
+  <a:extraClrSchemeLst/>
 </a:theme>
 </file>